--- a/2147130_SandeepSS.pptx
+++ b/2147130_SandeepSS.pptx
@@ -15,20 +15,22 @@
     <p:sldMasterId id="2147483668" r:id="rId11"/>
   </p:sldMasterIdLst>
   <p:notesMasterIdLst>
-    <p:notesMasterId r:id="rId23"/>
+    <p:notesMasterId r:id="rId25"/>
   </p:notesMasterIdLst>
   <p:sldIdLst>
     <p:sldId id="256" r:id="rId12"/>
     <p:sldId id="257" r:id="rId13"/>
     <p:sldId id="258" r:id="rId14"/>
     <p:sldId id="259" r:id="rId15"/>
-    <p:sldId id="260" r:id="rId16"/>
-    <p:sldId id="261" r:id="rId17"/>
-    <p:sldId id="262" r:id="rId18"/>
-    <p:sldId id="263" r:id="rId19"/>
-    <p:sldId id="264" r:id="rId20"/>
-    <p:sldId id="265" r:id="rId21"/>
-    <p:sldId id="266" r:id="rId22"/>
+    <p:sldId id="267" r:id="rId16"/>
+    <p:sldId id="260" r:id="rId17"/>
+    <p:sldId id="268" r:id="rId18"/>
+    <p:sldId id="261" r:id="rId19"/>
+    <p:sldId id="262" r:id="rId20"/>
+    <p:sldId id="263" r:id="rId21"/>
+    <p:sldId id="264" r:id="rId22"/>
+    <p:sldId id="265" r:id="rId23"/>
+    <p:sldId id="266" r:id="rId24"/>
   </p:sldIdLst>
   <p:sldSz cx="9144000" cy="6858000" type="screen4x3"/>
   <p:notesSz cx="6858000" cy="9144000"/>
@@ -841,6 +843,230 @@
   <p:cSld>
     <p:spTree>
       <p:nvGrpSpPr>
+        <p:cNvPr id="1" name="Shape 190"/>
+        <p:cNvGrpSpPr/>
+        <p:nvPr/>
+      </p:nvGrpSpPr>
+      <p:grpSpPr>
+        <a:xfrm>
+          <a:off x="0" y="0"/>
+          <a:ext cx="0" cy="0"/>
+          <a:chOff x="0" y="0"/>
+          <a:chExt cx="0" cy="0"/>
+        </a:xfrm>
+      </p:grpSpPr>
+      <p:sp>
+        <p:nvSpPr>
+          <p:cNvPr id="191" name="Google Shape;191;p8:notes"/>
+          <p:cNvSpPr>
+            <a:spLocks noGrp="1" noRot="1" noChangeAspect="1"/>
+          </p:cNvSpPr>
+          <p:nvPr>
+            <p:ph type="sldImg" idx="2"/>
+          </p:nvPr>
+        </p:nvSpPr>
+        <p:spPr>
+          <a:xfrm>
+            <a:off x="1143000" y="685800"/>
+            <a:ext cx="4572000" cy="3429000"/>
+          </a:xfrm>
+          <a:custGeom>
+            <a:avLst/>
+            <a:gdLst/>
+            <a:ahLst/>
+            <a:cxnLst/>
+            <a:rect l="l" t="t" r="r" b="b"/>
+            <a:pathLst>
+              <a:path w="120000" h="120000" extrusionOk="0">
+                <a:moveTo>
+                  <a:pt x="0" y="0"/>
+                </a:moveTo>
+                <a:lnTo>
+                  <a:pt x="120000" y="0"/>
+                </a:lnTo>
+                <a:lnTo>
+                  <a:pt x="120000" y="120000"/>
+                </a:lnTo>
+                <a:lnTo>
+                  <a:pt x="0" y="120000"/>
+                </a:lnTo>
+                <a:close/>
+              </a:path>
+            </a:pathLst>
+          </a:custGeom>
+          <a:noFill/>
+          <a:ln>
+            <a:noFill/>
+          </a:ln>
+        </p:spPr>
+      </p:sp>
+      <p:sp>
+        <p:nvSpPr>
+          <p:cNvPr id="192" name="Google Shape;192;p8:notes"/>
+          <p:cNvSpPr txBox="1">
+            <a:spLocks noGrp="1"/>
+          </p:cNvSpPr>
+          <p:nvPr>
+            <p:ph type="body" idx="1"/>
+          </p:nvPr>
+        </p:nvSpPr>
+        <p:spPr>
+          <a:xfrm>
+            <a:off x="685800" y="4343400"/>
+            <a:ext cx="5486400" cy="4114800"/>
+          </a:xfrm>
+          <a:prstGeom prst="rect">
+            <a:avLst/>
+          </a:prstGeom>
+          <a:noFill/>
+          <a:ln>
+            <a:noFill/>
+          </a:ln>
+        </p:spPr>
+        <p:txBody>
+          <a:bodyPr spcFirstLastPara="1" wrap="square" lIns="91425" tIns="91425" rIns="91425" bIns="91425" anchor="t" anchorCtr="0">
+            <a:noAutofit/>
+          </a:bodyPr>
+          <a:lstStyle/>
+          <a:p>
+            <a:pPr marL="0" lvl="0" indent="0" algn="l" rtl="0">
+              <a:spcBef>
+                <a:spcPts val="0"/>
+              </a:spcBef>
+              <a:spcAft>
+                <a:spcPts val="0"/>
+              </a:spcAft>
+              <a:buNone/>
+            </a:pPr>
+            <a:endParaRPr/>
+          </a:p>
+        </p:txBody>
+      </p:sp>
+    </p:spTree>
+  </p:cSld>
+  <p:clrMapOvr>
+    <a:masterClrMapping/>
+  </p:clrMapOvr>
+</p:notes>
+</file>
+
+<file path=ppt/notesSlides/notesSlide11.xml><?xml version="1.0" encoding="utf-8"?>
+<p:notes xmlns:a="http://schemas.openxmlformats.org/drawingml/2006/main" xmlns:r="http://schemas.openxmlformats.org/officeDocument/2006/relationships" xmlns:p="http://schemas.openxmlformats.org/presentationml/2006/main" showMasterSp="0" showMasterPhAnim="0">
+  <p:cSld>
+    <p:spTree>
+      <p:nvGrpSpPr>
+        <p:cNvPr id="1" name="Shape 197"/>
+        <p:cNvGrpSpPr/>
+        <p:nvPr/>
+      </p:nvGrpSpPr>
+      <p:grpSpPr>
+        <a:xfrm>
+          <a:off x="0" y="0"/>
+          <a:ext cx="0" cy="0"/>
+          <a:chOff x="0" y="0"/>
+          <a:chExt cx="0" cy="0"/>
+        </a:xfrm>
+      </p:grpSpPr>
+      <p:sp>
+        <p:nvSpPr>
+          <p:cNvPr id="198" name="Google Shape;198;p9:notes"/>
+          <p:cNvSpPr>
+            <a:spLocks noGrp="1" noRot="1" noChangeAspect="1"/>
+          </p:cNvSpPr>
+          <p:nvPr>
+            <p:ph type="sldImg" idx="2"/>
+          </p:nvPr>
+        </p:nvSpPr>
+        <p:spPr>
+          <a:xfrm>
+            <a:off x="1143000" y="685800"/>
+            <a:ext cx="4572000" cy="3429000"/>
+          </a:xfrm>
+          <a:custGeom>
+            <a:avLst/>
+            <a:gdLst/>
+            <a:ahLst/>
+            <a:cxnLst/>
+            <a:rect l="l" t="t" r="r" b="b"/>
+            <a:pathLst>
+              <a:path w="120000" h="120000" extrusionOk="0">
+                <a:moveTo>
+                  <a:pt x="0" y="0"/>
+                </a:moveTo>
+                <a:lnTo>
+                  <a:pt x="120000" y="0"/>
+                </a:lnTo>
+                <a:lnTo>
+                  <a:pt x="120000" y="120000"/>
+                </a:lnTo>
+                <a:lnTo>
+                  <a:pt x="0" y="120000"/>
+                </a:lnTo>
+                <a:close/>
+              </a:path>
+            </a:pathLst>
+          </a:custGeom>
+          <a:noFill/>
+          <a:ln>
+            <a:noFill/>
+          </a:ln>
+        </p:spPr>
+      </p:sp>
+      <p:sp>
+        <p:nvSpPr>
+          <p:cNvPr id="199" name="Google Shape;199;p9:notes"/>
+          <p:cNvSpPr txBox="1">
+            <a:spLocks noGrp="1"/>
+          </p:cNvSpPr>
+          <p:nvPr>
+            <p:ph type="body" idx="1"/>
+          </p:nvPr>
+        </p:nvSpPr>
+        <p:spPr>
+          <a:xfrm>
+            <a:off x="685800" y="4343400"/>
+            <a:ext cx="5486400" cy="4114800"/>
+          </a:xfrm>
+          <a:prstGeom prst="rect">
+            <a:avLst/>
+          </a:prstGeom>
+          <a:noFill/>
+          <a:ln>
+            <a:noFill/>
+          </a:ln>
+        </p:spPr>
+        <p:txBody>
+          <a:bodyPr spcFirstLastPara="1" wrap="square" lIns="91425" tIns="91425" rIns="91425" bIns="91425" anchor="t" anchorCtr="0">
+            <a:noAutofit/>
+          </a:bodyPr>
+          <a:lstStyle/>
+          <a:p>
+            <a:pPr marL="0" lvl="0" indent="0" algn="l" rtl="0">
+              <a:spcBef>
+                <a:spcPts val="0"/>
+              </a:spcBef>
+              <a:spcAft>
+                <a:spcPts val="0"/>
+              </a:spcAft>
+              <a:buNone/>
+            </a:pPr>
+            <a:endParaRPr/>
+          </a:p>
+        </p:txBody>
+      </p:sp>
+    </p:spTree>
+  </p:cSld>
+  <p:clrMapOvr>
+    <a:masterClrMapping/>
+  </p:clrMapOvr>
+</p:notes>
+</file>
+
+<file path=ppt/notesSlides/notesSlide12.xml><?xml version="1.0" encoding="utf-8"?>
+<p:notes xmlns:a="http://schemas.openxmlformats.org/drawingml/2006/main" xmlns:r="http://schemas.openxmlformats.org/officeDocument/2006/relationships" xmlns:p="http://schemas.openxmlformats.org/presentationml/2006/main" showMasterSp="0" showMasterPhAnim="0">
+  <p:cSld>
+    <p:spTree>
+      <p:nvGrpSpPr>
         <p:cNvPr id="1" name="Shape 204"/>
         <p:cNvGrpSpPr/>
         <p:nvPr/>
@@ -948,7 +1174,7 @@
 </p:notes>
 </file>
 
-<file path=ppt/notesSlides/notesSlide11.xml><?xml version="1.0" encoding="utf-8"?>
+<file path=ppt/notesSlides/notesSlide13.xml><?xml version="1.0" encoding="utf-8"?>
 <p:notes xmlns:a="http://schemas.openxmlformats.org/drawingml/2006/main" xmlns:r="http://schemas.openxmlformats.org/officeDocument/2006/relationships" xmlns:p="http://schemas.openxmlformats.org/presentationml/2006/main" showMasterSp="0" showMasterPhAnim="0">
   <p:cSld>
     <p:spTree>
@@ -1401,6 +1627,123 @@
   <p:cSld>
     <p:spTree>
       <p:nvGrpSpPr>
+        <p:cNvPr id="1" name="Shape 162"/>
+        <p:cNvGrpSpPr/>
+        <p:nvPr/>
+      </p:nvGrpSpPr>
+      <p:grpSpPr>
+        <a:xfrm>
+          <a:off x="0" y="0"/>
+          <a:ext cx="0" cy="0"/>
+          <a:chOff x="0" y="0"/>
+          <a:chExt cx="0" cy="0"/>
+        </a:xfrm>
+      </p:grpSpPr>
+      <p:sp>
+        <p:nvSpPr>
+          <p:cNvPr id="163" name="Google Shape;163;p4:notes"/>
+          <p:cNvSpPr>
+            <a:spLocks noGrp="1" noRot="1" noChangeAspect="1"/>
+          </p:cNvSpPr>
+          <p:nvPr>
+            <p:ph type="sldImg" idx="2"/>
+          </p:nvPr>
+        </p:nvSpPr>
+        <p:spPr>
+          <a:xfrm>
+            <a:off x="1143000" y="685800"/>
+            <a:ext cx="4572000" cy="3429000"/>
+          </a:xfrm>
+          <a:custGeom>
+            <a:avLst/>
+            <a:gdLst/>
+            <a:ahLst/>
+            <a:cxnLst/>
+            <a:rect l="l" t="t" r="r" b="b"/>
+            <a:pathLst>
+              <a:path w="120000" h="120000" extrusionOk="0">
+                <a:moveTo>
+                  <a:pt x="0" y="0"/>
+                </a:moveTo>
+                <a:lnTo>
+                  <a:pt x="120000" y="0"/>
+                </a:lnTo>
+                <a:lnTo>
+                  <a:pt x="120000" y="120000"/>
+                </a:lnTo>
+                <a:lnTo>
+                  <a:pt x="0" y="120000"/>
+                </a:lnTo>
+                <a:close/>
+              </a:path>
+            </a:pathLst>
+          </a:custGeom>
+          <a:noFill/>
+          <a:ln>
+            <a:noFill/>
+          </a:ln>
+        </p:spPr>
+      </p:sp>
+      <p:sp>
+        <p:nvSpPr>
+          <p:cNvPr id="164" name="Google Shape;164;p4:notes"/>
+          <p:cNvSpPr txBox="1">
+            <a:spLocks noGrp="1"/>
+          </p:cNvSpPr>
+          <p:nvPr>
+            <p:ph type="body" idx="1"/>
+          </p:nvPr>
+        </p:nvSpPr>
+        <p:spPr>
+          <a:xfrm>
+            <a:off x="685800" y="4343400"/>
+            <a:ext cx="5486400" cy="4114800"/>
+          </a:xfrm>
+          <a:prstGeom prst="rect">
+            <a:avLst/>
+          </a:prstGeom>
+          <a:noFill/>
+          <a:ln>
+            <a:noFill/>
+          </a:ln>
+        </p:spPr>
+        <p:txBody>
+          <a:bodyPr spcFirstLastPara="1" wrap="square" lIns="91425" tIns="91425" rIns="91425" bIns="91425" anchor="t" anchorCtr="0">
+            <a:noAutofit/>
+          </a:bodyPr>
+          <a:lstStyle/>
+          <a:p>
+            <a:pPr marL="0" lvl="0" indent="0" algn="l" rtl="0">
+              <a:spcBef>
+                <a:spcPts val="0"/>
+              </a:spcBef>
+              <a:spcAft>
+                <a:spcPts val="0"/>
+              </a:spcAft>
+              <a:buNone/>
+            </a:pPr>
+            <a:endParaRPr/>
+          </a:p>
+        </p:txBody>
+      </p:sp>
+    </p:spTree>
+    <p:extLst>
+      <p:ext uri="{BB962C8B-B14F-4D97-AF65-F5344CB8AC3E}">
+        <p14:creationId xmlns:p14="http://schemas.microsoft.com/office/powerpoint/2010/main" val="1045672896"/>
+      </p:ext>
+    </p:extLst>
+  </p:cSld>
+  <p:clrMapOvr>
+    <a:masterClrMapping/>
+  </p:clrMapOvr>
+</p:notes>
+</file>
+
+<file path=ppt/notesSlides/notesSlide6.xml><?xml version="1.0" encoding="utf-8"?>
+<p:notes xmlns:a="http://schemas.openxmlformats.org/drawingml/2006/main" xmlns:r="http://schemas.openxmlformats.org/officeDocument/2006/relationships" xmlns:p="http://schemas.openxmlformats.org/presentationml/2006/main" showMasterSp="0" showMasterPhAnim="0">
+  <p:cSld>
+    <p:spTree>
+      <p:nvGrpSpPr>
         <p:cNvPr id="1" name="Shape 169"/>
         <p:cNvGrpSpPr/>
         <p:nvPr/>
@@ -1508,7 +1851,124 @@
 </p:notes>
 </file>
 
-<file path=ppt/notesSlides/notesSlide6.xml><?xml version="1.0" encoding="utf-8"?>
+<file path=ppt/notesSlides/notesSlide7.xml><?xml version="1.0" encoding="utf-8"?>
+<p:notes xmlns:a="http://schemas.openxmlformats.org/drawingml/2006/main" xmlns:r="http://schemas.openxmlformats.org/officeDocument/2006/relationships" xmlns:p="http://schemas.openxmlformats.org/presentationml/2006/main" showMasterSp="0" showMasterPhAnim="0">
+  <p:cSld>
+    <p:spTree>
+      <p:nvGrpSpPr>
+        <p:cNvPr id="1" name="Shape 169"/>
+        <p:cNvGrpSpPr/>
+        <p:nvPr/>
+      </p:nvGrpSpPr>
+      <p:grpSpPr>
+        <a:xfrm>
+          <a:off x="0" y="0"/>
+          <a:ext cx="0" cy="0"/>
+          <a:chOff x="0" y="0"/>
+          <a:chExt cx="0" cy="0"/>
+        </a:xfrm>
+      </p:grpSpPr>
+      <p:sp>
+        <p:nvSpPr>
+          <p:cNvPr id="170" name="Google Shape;170;p5:notes"/>
+          <p:cNvSpPr>
+            <a:spLocks noGrp="1" noRot="1" noChangeAspect="1"/>
+          </p:cNvSpPr>
+          <p:nvPr>
+            <p:ph type="sldImg" idx="2"/>
+          </p:nvPr>
+        </p:nvSpPr>
+        <p:spPr>
+          <a:xfrm>
+            <a:off x="1143000" y="685800"/>
+            <a:ext cx="4572000" cy="3429000"/>
+          </a:xfrm>
+          <a:custGeom>
+            <a:avLst/>
+            <a:gdLst/>
+            <a:ahLst/>
+            <a:cxnLst/>
+            <a:rect l="l" t="t" r="r" b="b"/>
+            <a:pathLst>
+              <a:path w="120000" h="120000" extrusionOk="0">
+                <a:moveTo>
+                  <a:pt x="0" y="0"/>
+                </a:moveTo>
+                <a:lnTo>
+                  <a:pt x="120000" y="0"/>
+                </a:lnTo>
+                <a:lnTo>
+                  <a:pt x="120000" y="120000"/>
+                </a:lnTo>
+                <a:lnTo>
+                  <a:pt x="0" y="120000"/>
+                </a:lnTo>
+                <a:close/>
+              </a:path>
+            </a:pathLst>
+          </a:custGeom>
+          <a:noFill/>
+          <a:ln>
+            <a:noFill/>
+          </a:ln>
+        </p:spPr>
+      </p:sp>
+      <p:sp>
+        <p:nvSpPr>
+          <p:cNvPr id="171" name="Google Shape;171;p5:notes"/>
+          <p:cNvSpPr txBox="1">
+            <a:spLocks noGrp="1"/>
+          </p:cNvSpPr>
+          <p:nvPr>
+            <p:ph type="body" idx="1"/>
+          </p:nvPr>
+        </p:nvSpPr>
+        <p:spPr>
+          <a:xfrm>
+            <a:off x="685800" y="4343400"/>
+            <a:ext cx="5486400" cy="4114800"/>
+          </a:xfrm>
+          <a:prstGeom prst="rect">
+            <a:avLst/>
+          </a:prstGeom>
+          <a:noFill/>
+          <a:ln>
+            <a:noFill/>
+          </a:ln>
+        </p:spPr>
+        <p:txBody>
+          <a:bodyPr spcFirstLastPara="1" wrap="square" lIns="91425" tIns="91425" rIns="91425" bIns="91425" anchor="t" anchorCtr="0">
+            <a:noAutofit/>
+          </a:bodyPr>
+          <a:lstStyle/>
+          <a:p>
+            <a:pPr marL="0" lvl="0" indent="0" algn="l" rtl="0">
+              <a:spcBef>
+                <a:spcPts val="0"/>
+              </a:spcBef>
+              <a:spcAft>
+                <a:spcPts val="0"/>
+              </a:spcAft>
+              <a:buNone/>
+            </a:pPr>
+            <a:endParaRPr/>
+          </a:p>
+        </p:txBody>
+      </p:sp>
+    </p:spTree>
+    <p:extLst>
+      <p:ext uri="{BB962C8B-B14F-4D97-AF65-F5344CB8AC3E}">
+        <p14:creationId xmlns:p14="http://schemas.microsoft.com/office/powerpoint/2010/main" val="946907265"/>
+      </p:ext>
+    </p:extLst>
+  </p:cSld>
+  <p:clrMapOvr>
+    <a:masterClrMapping/>
+  </p:clrMapOvr>
+</p:notes>
+</file>
+
+<file path=ppt/notesSlides/notesSlide8.xml><?xml version="1.0" encoding="utf-8"?>
 <p:notes xmlns:a="http://schemas.openxmlformats.org/drawingml/2006/main" xmlns:r="http://schemas.openxmlformats.org/officeDocument/2006/relationships" xmlns:p="http://schemas.openxmlformats.org/presentationml/2006/main" showMasterSp="0" showMasterPhAnim="0">
   <p:cSld>
     <p:spTree>
@@ -1620,7 +2080,7 @@
 </p:notes>
 </file>
 
-<file path=ppt/notesSlides/notesSlide7.xml><?xml version="1.0" encoding="utf-8"?>
+<file path=ppt/notesSlides/notesSlide9.xml><?xml version="1.0" encoding="utf-8"?>
 <p:notes xmlns:a="http://schemas.openxmlformats.org/drawingml/2006/main" xmlns:r="http://schemas.openxmlformats.org/officeDocument/2006/relationships" xmlns:p="http://schemas.openxmlformats.org/presentationml/2006/main" showMasterSp="0" showMasterPhAnim="0">
   <p:cSld>
     <p:spTree>
@@ -1732,230 +2192,6 @@
 </p:notes>
 </file>
 
-<file path=ppt/notesSlides/notesSlide8.xml><?xml version="1.0" encoding="utf-8"?>
-<p:notes xmlns:a="http://schemas.openxmlformats.org/drawingml/2006/main" xmlns:r="http://schemas.openxmlformats.org/officeDocument/2006/relationships" xmlns:p="http://schemas.openxmlformats.org/presentationml/2006/main" showMasterSp="0" showMasterPhAnim="0">
-  <p:cSld>
-    <p:spTree>
-      <p:nvGrpSpPr>
-        <p:cNvPr id="1" name="Shape 190"/>
-        <p:cNvGrpSpPr/>
-        <p:nvPr/>
-      </p:nvGrpSpPr>
-      <p:grpSpPr>
-        <a:xfrm>
-          <a:off x="0" y="0"/>
-          <a:ext cx="0" cy="0"/>
-          <a:chOff x="0" y="0"/>
-          <a:chExt cx="0" cy="0"/>
-        </a:xfrm>
-      </p:grpSpPr>
-      <p:sp>
-        <p:nvSpPr>
-          <p:cNvPr id="191" name="Google Shape;191;p8:notes"/>
-          <p:cNvSpPr>
-            <a:spLocks noGrp="1" noRot="1" noChangeAspect="1"/>
-          </p:cNvSpPr>
-          <p:nvPr>
-            <p:ph type="sldImg" idx="2"/>
-          </p:nvPr>
-        </p:nvSpPr>
-        <p:spPr>
-          <a:xfrm>
-            <a:off x="1143000" y="685800"/>
-            <a:ext cx="4572000" cy="3429000"/>
-          </a:xfrm>
-          <a:custGeom>
-            <a:avLst/>
-            <a:gdLst/>
-            <a:ahLst/>
-            <a:cxnLst/>
-            <a:rect l="l" t="t" r="r" b="b"/>
-            <a:pathLst>
-              <a:path w="120000" h="120000" extrusionOk="0">
-                <a:moveTo>
-                  <a:pt x="0" y="0"/>
-                </a:moveTo>
-                <a:lnTo>
-                  <a:pt x="120000" y="0"/>
-                </a:lnTo>
-                <a:lnTo>
-                  <a:pt x="120000" y="120000"/>
-                </a:lnTo>
-                <a:lnTo>
-                  <a:pt x="0" y="120000"/>
-                </a:lnTo>
-                <a:close/>
-              </a:path>
-            </a:pathLst>
-          </a:custGeom>
-          <a:noFill/>
-          <a:ln>
-            <a:noFill/>
-          </a:ln>
-        </p:spPr>
-      </p:sp>
-      <p:sp>
-        <p:nvSpPr>
-          <p:cNvPr id="192" name="Google Shape;192;p8:notes"/>
-          <p:cNvSpPr txBox="1">
-            <a:spLocks noGrp="1"/>
-          </p:cNvSpPr>
-          <p:nvPr>
-            <p:ph type="body" idx="1"/>
-          </p:nvPr>
-        </p:nvSpPr>
-        <p:spPr>
-          <a:xfrm>
-            <a:off x="685800" y="4343400"/>
-            <a:ext cx="5486400" cy="4114800"/>
-          </a:xfrm>
-          <a:prstGeom prst="rect">
-            <a:avLst/>
-          </a:prstGeom>
-          <a:noFill/>
-          <a:ln>
-            <a:noFill/>
-          </a:ln>
-        </p:spPr>
-        <p:txBody>
-          <a:bodyPr spcFirstLastPara="1" wrap="square" lIns="91425" tIns="91425" rIns="91425" bIns="91425" anchor="t" anchorCtr="0">
-            <a:noAutofit/>
-          </a:bodyPr>
-          <a:lstStyle/>
-          <a:p>
-            <a:pPr marL="0" lvl="0" indent="0" algn="l" rtl="0">
-              <a:spcBef>
-                <a:spcPts val="0"/>
-              </a:spcBef>
-              <a:spcAft>
-                <a:spcPts val="0"/>
-              </a:spcAft>
-              <a:buNone/>
-            </a:pPr>
-            <a:endParaRPr/>
-          </a:p>
-        </p:txBody>
-      </p:sp>
-    </p:spTree>
-  </p:cSld>
-  <p:clrMapOvr>
-    <a:masterClrMapping/>
-  </p:clrMapOvr>
-</p:notes>
-</file>
-
-<file path=ppt/notesSlides/notesSlide9.xml><?xml version="1.0" encoding="utf-8"?>
-<p:notes xmlns:a="http://schemas.openxmlformats.org/drawingml/2006/main" xmlns:r="http://schemas.openxmlformats.org/officeDocument/2006/relationships" xmlns:p="http://schemas.openxmlformats.org/presentationml/2006/main" showMasterSp="0" showMasterPhAnim="0">
-  <p:cSld>
-    <p:spTree>
-      <p:nvGrpSpPr>
-        <p:cNvPr id="1" name="Shape 197"/>
-        <p:cNvGrpSpPr/>
-        <p:nvPr/>
-      </p:nvGrpSpPr>
-      <p:grpSpPr>
-        <a:xfrm>
-          <a:off x="0" y="0"/>
-          <a:ext cx="0" cy="0"/>
-          <a:chOff x="0" y="0"/>
-          <a:chExt cx="0" cy="0"/>
-        </a:xfrm>
-      </p:grpSpPr>
-      <p:sp>
-        <p:nvSpPr>
-          <p:cNvPr id="198" name="Google Shape;198;p9:notes"/>
-          <p:cNvSpPr>
-            <a:spLocks noGrp="1" noRot="1" noChangeAspect="1"/>
-          </p:cNvSpPr>
-          <p:nvPr>
-            <p:ph type="sldImg" idx="2"/>
-          </p:nvPr>
-        </p:nvSpPr>
-        <p:spPr>
-          <a:xfrm>
-            <a:off x="1143000" y="685800"/>
-            <a:ext cx="4572000" cy="3429000"/>
-          </a:xfrm>
-          <a:custGeom>
-            <a:avLst/>
-            <a:gdLst/>
-            <a:ahLst/>
-            <a:cxnLst/>
-            <a:rect l="l" t="t" r="r" b="b"/>
-            <a:pathLst>
-              <a:path w="120000" h="120000" extrusionOk="0">
-                <a:moveTo>
-                  <a:pt x="0" y="0"/>
-                </a:moveTo>
-                <a:lnTo>
-                  <a:pt x="120000" y="0"/>
-                </a:lnTo>
-                <a:lnTo>
-                  <a:pt x="120000" y="120000"/>
-                </a:lnTo>
-                <a:lnTo>
-                  <a:pt x="0" y="120000"/>
-                </a:lnTo>
-                <a:close/>
-              </a:path>
-            </a:pathLst>
-          </a:custGeom>
-          <a:noFill/>
-          <a:ln>
-            <a:noFill/>
-          </a:ln>
-        </p:spPr>
-      </p:sp>
-      <p:sp>
-        <p:nvSpPr>
-          <p:cNvPr id="199" name="Google Shape;199;p9:notes"/>
-          <p:cNvSpPr txBox="1">
-            <a:spLocks noGrp="1"/>
-          </p:cNvSpPr>
-          <p:nvPr>
-            <p:ph type="body" idx="1"/>
-          </p:nvPr>
-        </p:nvSpPr>
-        <p:spPr>
-          <a:xfrm>
-            <a:off x="685800" y="4343400"/>
-            <a:ext cx="5486400" cy="4114800"/>
-          </a:xfrm>
-          <a:prstGeom prst="rect">
-            <a:avLst/>
-          </a:prstGeom>
-          <a:noFill/>
-          <a:ln>
-            <a:noFill/>
-          </a:ln>
-        </p:spPr>
-        <p:txBody>
-          <a:bodyPr spcFirstLastPara="1" wrap="square" lIns="91425" tIns="91425" rIns="91425" bIns="91425" anchor="t" anchorCtr="0">
-            <a:noAutofit/>
-          </a:bodyPr>
-          <a:lstStyle/>
-          <a:p>
-            <a:pPr marL="0" lvl="0" indent="0" algn="l" rtl="0">
-              <a:spcBef>
-                <a:spcPts val="0"/>
-              </a:spcBef>
-              <a:spcAft>
-                <a:spcPts val="0"/>
-              </a:spcAft>
-              <a:buNone/>
-            </a:pPr>
-            <a:endParaRPr/>
-          </a:p>
-        </p:txBody>
-      </p:sp>
-    </p:spTree>
-  </p:cSld>
-  <p:clrMapOvr>
-    <a:masterClrMapping/>
-  </p:clrMapOvr>
-</p:notes>
-</file>
-
 <file path=ppt/slideLayouts/slideLayout1.xml><?xml version="1.0" encoding="utf-8"?>
 <p:sldLayout xmlns:a="http://schemas.openxmlformats.org/drawingml/2006/main" xmlns:r="http://schemas.openxmlformats.org/officeDocument/2006/relationships" xmlns:p="http://schemas.openxmlformats.org/presentationml/2006/main" matchingName="Title slide" type="title">
   <p:cSld name="TITLE">
@@ -28526,7 +28762,7 @@
         </p:nvSpPr>
         <p:spPr>
           <a:xfrm>
-            <a:off x="295275" y="4011612"/>
+            <a:off x="297633" y="3846885"/>
             <a:ext cx="8520112" cy="925512"/>
           </a:xfrm>
           <a:prstGeom prst="rect">
@@ -28608,8 +28844,8 @@
         </p:nvSpPr>
         <p:spPr>
           <a:xfrm>
-            <a:off x="250825" y="5148262"/>
-            <a:ext cx="8520112" cy="800100"/>
+            <a:off x="311150" y="4937124"/>
+            <a:ext cx="8521700" cy="1011238"/>
           </a:xfrm>
           <a:prstGeom prst="rect">
             <a:avLst/>
@@ -28697,19 +28933,28 @@
                 <a:cs typeface="Times New Roman"/>
                 <a:sym typeface="Times New Roman"/>
               </a:rPr>
-              <a:t>hirunavukkarasu.v</a:t>
+              <a:t>hirunavukkarasu.</a:t>
             </a:r>
             <a:r>
-              <a:rPr lang="en-US" sz="1800" b="0" i="0" u="none" dirty="0">
-                <a:solidFill>
-                  <a:srgbClr val="000000"/>
-                </a:solidFill>
+              <a:rPr lang="en-US" sz="1800" dirty="0" err="1">
                 <a:latin typeface="Times New Roman"/>
                 <a:ea typeface="Times New Roman"/>
                 <a:cs typeface="Times New Roman"/>
                 <a:sym typeface="Times New Roman"/>
               </a:rPr>
-              <a:t>                </a:t>
+              <a:t>V</a:t>
+            </a:r>
+            <a:r>
+              <a:rPr lang="en-US" sz="1800" b="0" i="0" u="none" dirty="0">
+                <a:solidFill>
+                  <a:srgbClr val="000000"/>
+                </a:solidFill>
+                <a:latin typeface="Times New Roman"/>
+                <a:ea typeface="Times New Roman"/>
+                <a:cs typeface="Times New Roman"/>
+                <a:sym typeface="Times New Roman"/>
+              </a:rPr>
+              <a:t>              </a:t>
             </a:r>
             <a:r>
               <a:rPr lang="en-IN" sz="1800" b="0" i="0" u="none" dirty="0">
@@ -28745,19 +28990,35 @@
                 <a:cs typeface="Times New Roman"/>
                 <a:sym typeface="Times New Roman"/>
               </a:rPr>
-              <a:t> Ltd)	          </a:t>
+              <a:t> Ltd)	       			  Asst. Professor </a:t>
             </a:r>
+          </a:p>
+          <a:p>
+            <a:pPr marL="0" marR="0" lvl="0" indent="0" rtl="0">
+              <a:lnSpc>
+                <a:spcPct val="100000"/>
+              </a:lnSpc>
+              <a:spcBef>
+                <a:spcPts val="0"/>
+              </a:spcBef>
+              <a:spcAft>
+                <a:spcPts val="0"/>
+              </a:spcAft>
+              <a:buClr>
+                <a:srgbClr val="000000"/>
+              </a:buClr>
+              <a:buSzPts val="1800"/>
+              <a:buFont typeface="Times New Roman"/>
+              <a:buNone/>
+            </a:pPr>
             <a:r>
-              <a:rPr lang="en-IN" sz="1800" b="0" i="0" u="none" dirty="0" err="1">
-                <a:solidFill>
-                  <a:srgbClr val="000000"/>
-                </a:solidFill>
+              <a:rPr lang="en-IN" sz="1800" dirty="0">
                 <a:latin typeface="Times New Roman"/>
                 <a:ea typeface="Times New Roman"/>
                 <a:cs typeface="Times New Roman"/>
                 <a:sym typeface="Times New Roman"/>
               </a:rPr>
-              <a:t>Proffessor</a:t>
+              <a:t>					             </a:t>
             </a:r>
             <a:r>
               <a:rPr lang="en-IN" sz="1800" b="0" i="0" u="none" dirty="0">
@@ -28769,7 +29030,7 @@
                 <a:cs typeface="Times New Roman"/>
                 <a:sym typeface="Times New Roman"/>
               </a:rPr>
-              <a:t> (Christ deemed to be University)</a:t>
+              <a:t>Christ (deemed to be University)</a:t>
             </a:r>
           </a:p>
           <a:p>
@@ -28805,7 +29066,7 @@
         </p:nvSpPr>
         <p:spPr>
           <a:xfrm>
-            <a:off x="311150" y="2846388"/>
+            <a:off x="311150" y="3011115"/>
             <a:ext cx="8521700" cy="633412"/>
           </a:xfrm>
           <a:prstGeom prst="rect">
@@ -28864,6 +29125,703 @@
 </file>
 
 <file path=ppt/slides/slide10.xml><?xml version="1.0" encoding="utf-8"?>
+<p:sld xmlns:a="http://schemas.openxmlformats.org/drawingml/2006/main" xmlns:r="http://schemas.openxmlformats.org/officeDocument/2006/relationships" xmlns:p="http://schemas.openxmlformats.org/presentationml/2006/main">
+  <p:cSld>
+    <p:spTree>
+      <p:nvGrpSpPr>
+        <p:cNvPr id="1" name="Shape 193"/>
+        <p:cNvGrpSpPr/>
+        <p:nvPr/>
+      </p:nvGrpSpPr>
+      <p:grpSpPr>
+        <a:xfrm>
+          <a:off x="0" y="0"/>
+          <a:ext cx="0" cy="0"/>
+          <a:chOff x="0" y="0"/>
+          <a:chExt cx="0" cy="0"/>
+        </a:xfrm>
+      </p:grpSpPr>
+      <p:sp>
+        <p:nvSpPr>
+          <p:cNvPr id="194" name="Google Shape;194;p29"/>
+          <p:cNvSpPr txBox="1">
+            <a:spLocks noGrp="1"/>
+          </p:cNvSpPr>
+          <p:nvPr>
+            <p:ph type="title"/>
+          </p:nvPr>
+        </p:nvSpPr>
+        <p:spPr>
+          <a:xfrm>
+            <a:off x="311150" y="593725"/>
+            <a:ext cx="8521700" cy="763587"/>
+          </a:xfrm>
+          <a:prstGeom prst="rect">
+            <a:avLst/>
+          </a:prstGeom>
+          <a:noFill/>
+          <a:ln>
+            <a:noFill/>
+          </a:ln>
+        </p:spPr>
+        <p:txBody>
+          <a:bodyPr spcFirstLastPara="1" wrap="square" lIns="91425" tIns="91425" rIns="91425" bIns="91425" anchor="t" anchorCtr="0">
+            <a:noAutofit/>
+          </a:bodyPr>
+          <a:lstStyle/>
+          <a:p>
+            <a:pPr marL="0" lvl="0" indent="0" algn="ctr" rtl="0">
+              <a:lnSpc>
+                <a:spcPct val="100000"/>
+              </a:lnSpc>
+              <a:spcBef>
+                <a:spcPts val="0"/>
+              </a:spcBef>
+              <a:spcAft>
+                <a:spcPts val="0"/>
+              </a:spcAft>
+              <a:buSzPts val="2800"/>
+              <a:buNone/>
+            </a:pPr>
+            <a:r>
+              <a:rPr lang="en-US" sz="3200" b="1" i="0" u="none">
+                <a:solidFill>
+                  <a:srgbClr val="000000"/>
+                </a:solidFill>
+                <a:latin typeface="Times New Roman"/>
+                <a:ea typeface="Times New Roman"/>
+                <a:cs typeface="Times New Roman"/>
+                <a:sym typeface="Times New Roman"/>
+              </a:rPr>
+              <a:t>Tasks Completed</a:t>
+            </a:r>
+            <a:endParaRPr/>
+          </a:p>
+        </p:txBody>
+      </p:sp>
+      <p:sp>
+        <p:nvSpPr>
+          <p:cNvPr id="195" name="Google Shape;195;p29"/>
+          <p:cNvSpPr txBox="1">
+            <a:spLocks noGrp="1"/>
+          </p:cNvSpPr>
+          <p:nvPr>
+            <p:ph type="body" idx="1"/>
+          </p:nvPr>
+        </p:nvSpPr>
+        <p:spPr>
+          <a:xfrm>
+            <a:off x="689548" y="1455450"/>
+            <a:ext cx="7615003" cy="4138274"/>
+          </a:xfrm>
+          <a:prstGeom prst="rect">
+            <a:avLst/>
+          </a:prstGeom>
+          <a:noFill/>
+          <a:ln>
+            <a:noFill/>
+          </a:ln>
+        </p:spPr>
+        <p:txBody>
+          <a:bodyPr spcFirstLastPara="1" wrap="square" lIns="91425" tIns="91425" rIns="91425" bIns="91425" anchor="t" anchorCtr="0">
+            <a:noAutofit/>
+          </a:bodyPr>
+          <a:lstStyle/>
+          <a:p>
+            <a:pPr marL="0" lvl="0" indent="0" algn="just" rtl="0">
+              <a:lnSpc>
+                <a:spcPct val="100000"/>
+              </a:lnSpc>
+              <a:spcBef>
+                <a:spcPts val="1200"/>
+              </a:spcBef>
+              <a:spcAft>
+                <a:spcPts val="0"/>
+              </a:spcAft>
+              <a:buClr>
+                <a:srgbClr val="000000"/>
+              </a:buClr>
+              <a:buSzPts val="400"/>
+              <a:buNone/>
+            </a:pPr>
+            <a:r>
+              <a:rPr lang="en-IN" sz="2400" b="0" i="0" u="none" dirty="0">
+                <a:solidFill>
+                  <a:srgbClr val="000000"/>
+                </a:solidFill>
+                <a:latin typeface="Times New Roman" panose="02020603050405020304" pitchFamily="18" charset="0"/>
+                <a:ea typeface="Times New Roman"/>
+                <a:cs typeface="Times New Roman" panose="02020603050405020304" pitchFamily="18" charset="0"/>
+                <a:sym typeface="Times New Roman"/>
+              </a:rPr>
+              <a:t>Week 1 – Revisiting About the topics on JavaScript, and Learnt about various APIs</a:t>
+            </a:r>
+          </a:p>
+          <a:p>
+            <a:pPr marL="0" lvl="0" indent="0" algn="just" rtl="0">
+              <a:lnSpc>
+                <a:spcPct val="100000"/>
+              </a:lnSpc>
+              <a:spcBef>
+                <a:spcPts val="1200"/>
+              </a:spcBef>
+              <a:spcAft>
+                <a:spcPts val="0"/>
+              </a:spcAft>
+              <a:buClr>
+                <a:srgbClr val="000000"/>
+              </a:buClr>
+              <a:buSzPts val="400"/>
+              <a:buNone/>
+            </a:pPr>
+            <a:endParaRPr lang="en-IN" sz="2400" b="0" i="0" u="none" dirty="0">
+              <a:solidFill>
+                <a:srgbClr val="000000"/>
+              </a:solidFill>
+              <a:latin typeface="Times New Roman" panose="02020603050405020304" pitchFamily="18" charset="0"/>
+              <a:ea typeface="Times New Roman"/>
+              <a:cs typeface="Times New Roman" panose="02020603050405020304" pitchFamily="18" charset="0"/>
+              <a:sym typeface="Times New Roman"/>
+            </a:endParaRPr>
+          </a:p>
+          <a:p>
+            <a:pPr marL="0" lvl="0" indent="0" algn="just" rtl="0">
+              <a:lnSpc>
+                <a:spcPct val="100000"/>
+              </a:lnSpc>
+              <a:spcBef>
+                <a:spcPts val="1200"/>
+              </a:spcBef>
+              <a:spcAft>
+                <a:spcPts val="0"/>
+              </a:spcAft>
+              <a:buClr>
+                <a:srgbClr val="000000"/>
+              </a:buClr>
+              <a:buSzPts val="400"/>
+              <a:buNone/>
+            </a:pPr>
+            <a:r>
+              <a:rPr lang="en-IN" sz="2400" dirty="0">
+                <a:latin typeface="Times New Roman" panose="02020603050405020304" pitchFamily="18" charset="0"/>
+                <a:cs typeface="Times New Roman" panose="02020603050405020304" pitchFamily="18" charset="0"/>
+                <a:sym typeface="Times New Roman"/>
+              </a:rPr>
+              <a:t>Week 2 – Learnt about Vue JS, </a:t>
+            </a:r>
+            <a:r>
+              <a:rPr lang="en-IN" sz="2400" dirty="0" err="1">
+                <a:latin typeface="Times New Roman" panose="02020603050405020304" pitchFamily="18" charset="0"/>
+                <a:cs typeface="Times New Roman" panose="02020603050405020304" pitchFamily="18" charset="0"/>
+                <a:sym typeface="Times New Roman"/>
+              </a:rPr>
+              <a:t>Axios</a:t>
+            </a:r>
+            <a:r>
+              <a:rPr lang="en-IN" sz="2400" dirty="0">
+                <a:latin typeface="Times New Roman" panose="02020603050405020304" pitchFamily="18" charset="0"/>
+                <a:cs typeface="Times New Roman" panose="02020603050405020304" pitchFamily="18" charset="0"/>
+                <a:sym typeface="Times New Roman"/>
+              </a:rPr>
+              <a:t>.</a:t>
+            </a:r>
+          </a:p>
+          <a:p>
+            <a:pPr marL="0" lvl="0" indent="0" algn="just" rtl="0">
+              <a:lnSpc>
+                <a:spcPct val="100000"/>
+              </a:lnSpc>
+              <a:spcBef>
+                <a:spcPts val="1200"/>
+              </a:spcBef>
+              <a:spcAft>
+                <a:spcPts val="0"/>
+              </a:spcAft>
+              <a:buClr>
+                <a:srgbClr val="000000"/>
+              </a:buClr>
+              <a:buSzPts val="400"/>
+              <a:buNone/>
+            </a:pPr>
+            <a:endParaRPr lang="en-IN" sz="2400" dirty="0">
+              <a:latin typeface="Times New Roman" panose="02020603050405020304" pitchFamily="18" charset="0"/>
+              <a:cs typeface="Times New Roman" panose="02020603050405020304" pitchFamily="18" charset="0"/>
+              <a:sym typeface="Times New Roman"/>
+            </a:endParaRPr>
+          </a:p>
+          <a:p>
+            <a:pPr marL="0" lvl="0" indent="0" algn="just" rtl="0">
+              <a:lnSpc>
+                <a:spcPct val="100000"/>
+              </a:lnSpc>
+              <a:spcBef>
+                <a:spcPts val="1200"/>
+              </a:spcBef>
+              <a:spcAft>
+                <a:spcPts val="0"/>
+              </a:spcAft>
+              <a:buClr>
+                <a:srgbClr val="000000"/>
+              </a:buClr>
+              <a:buSzPts val="400"/>
+              <a:buNone/>
+            </a:pPr>
+            <a:r>
+              <a:rPr lang="en-IN" sz="2400" dirty="0">
+                <a:latin typeface="Times New Roman" panose="02020603050405020304" pitchFamily="18" charset="0"/>
+                <a:cs typeface="Times New Roman" panose="02020603050405020304" pitchFamily="18" charset="0"/>
+                <a:sym typeface="Times New Roman"/>
+              </a:rPr>
+              <a:t>Week 3 - VUE X, Started learning about D3.JS</a:t>
+            </a:r>
+          </a:p>
+          <a:p>
+            <a:pPr marL="0" lvl="0" indent="0" algn="just" rtl="0">
+              <a:lnSpc>
+                <a:spcPct val="100000"/>
+              </a:lnSpc>
+              <a:spcBef>
+                <a:spcPts val="1200"/>
+              </a:spcBef>
+              <a:spcAft>
+                <a:spcPts val="0"/>
+              </a:spcAft>
+              <a:buClr>
+                <a:srgbClr val="000000"/>
+              </a:buClr>
+              <a:buSzPts val="400"/>
+              <a:buNone/>
+            </a:pPr>
+            <a:endParaRPr lang="en-IN" sz="2400" dirty="0">
+              <a:latin typeface="Times New Roman" panose="02020603050405020304" pitchFamily="18" charset="0"/>
+              <a:cs typeface="Times New Roman" panose="02020603050405020304" pitchFamily="18" charset="0"/>
+              <a:sym typeface="Times New Roman"/>
+            </a:endParaRPr>
+          </a:p>
+          <a:p>
+            <a:pPr marL="0" lvl="0" indent="0" algn="just" rtl="0">
+              <a:lnSpc>
+                <a:spcPct val="100000"/>
+              </a:lnSpc>
+              <a:spcBef>
+                <a:spcPts val="1200"/>
+              </a:spcBef>
+              <a:spcAft>
+                <a:spcPts val="0"/>
+              </a:spcAft>
+              <a:buClr>
+                <a:srgbClr val="000000"/>
+              </a:buClr>
+              <a:buSzPts val="400"/>
+              <a:buNone/>
+            </a:pPr>
+            <a:r>
+              <a:rPr lang="en-IN" sz="2400" dirty="0">
+                <a:latin typeface="Times New Roman" panose="02020603050405020304" pitchFamily="18" charset="0"/>
+                <a:cs typeface="Times New Roman" panose="02020603050405020304" pitchFamily="18" charset="0"/>
+                <a:sym typeface="Times New Roman"/>
+              </a:rPr>
+              <a:t>Week 4 – Understood the Project flow and continuing D3.js</a:t>
+            </a:r>
+          </a:p>
+          <a:p>
+            <a:pPr marL="457200" lvl="0" indent="-457200" algn="just" rtl="0">
+              <a:lnSpc>
+                <a:spcPct val="100000"/>
+              </a:lnSpc>
+              <a:spcBef>
+                <a:spcPts val="1200"/>
+              </a:spcBef>
+              <a:spcAft>
+                <a:spcPts val="0"/>
+              </a:spcAft>
+              <a:buClr>
+                <a:srgbClr val="000000"/>
+              </a:buClr>
+              <a:buSzPts val="400"/>
+              <a:buFont typeface="Times New Roman"/>
+              <a:buChar char="●"/>
+            </a:pPr>
+            <a:endParaRPr sz="2400" dirty="0">
+              <a:latin typeface="Times New Roman" panose="02020603050405020304" pitchFamily="18" charset="0"/>
+              <a:cs typeface="Times New Roman" panose="02020603050405020304" pitchFamily="18" charset="0"/>
+            </a:endParaRPr>
+          </a:p>
+          <a:p>
+            <a:pPr marL="457200" lvl="0" indent="-228600" algn="just" rtl="0">
+              <a:lnSpc>
+                <a:spcPct val="100000"/>
+              </a:lnSpc>
+              <a:spcBef>
+                <a:spcPts val="0"/>
+              </a:spcBef>
+              <a:spcAft>
+                <a:spcPts val="0"/>
+              </a:spcAft>
+              <a:buClr>
+                <a:srgbClr val="000000"/>
+              </a:buClr>
+              <a:buSzPts val="2200"/>
+              <a:buNone/>
+            </a:pPr>
+            <a:endParaRPr sz="2400" b="0" i="0" u="none" dirty="0">
+              <a:solidFill>
+                <a:srgbClr val="000000"/>
+              </a:solidFill>
+              <a:latin typeface="Times New Roman" panose="02020603050405020304" pitchFamily="18" charset="0"/>
+              <a:ea typeface="Times New Roman"/>
+              <a:cs typeface="Times New Roman" panose="02020603050405020304" pitchFamily="18" charset="0"/>
+              <a:sym typeface="Times New Roman"/>
+            </a:endParaRPr>
+          </a:p>
+        </p:txBody>
+      </p:sp>
+      <p:sp>
+        <p:nvSpPr>
+          <p:cNvPr id="196" name="Google Shape;196;p29"/>
+          <p:cNvSpPr txBox="1"/>
+          <p:nvPr/>
+        </p:nvSpPr>
+        <p:spPr>
+          <a:xfrm>
+            <a:off x="8472487" y="6218237"/>
+            <a:ext cx="549275" cy="523875"/>
+          </a:xfrm>
+          <a:prstGeom prst="rect">
+            <a:avLst/>
+          </a:prstGeom>
+          <a:noFill/>
+          <a:ln>
+            <a:noFill/>
+          </a:ln>
+        </p:spPr>
+        <p:txBody>
+          <a:bodyPr spcFirstLastPara="1" wrap="square" lIns="91425" tIns="91425" rIns="91425" bIns="91425" anchor="ctr" anchorCtr="0">
+            <a:noAutofit/>
+          </a:bodyPr>
+          <a:lstStyle/>
+          <a:p>
+            <a:pPr marL="0" marR="0" lvl="0" indent="0" algn="r" rtl="0">
+              <a:lnSpc>
+                <a:spcPct val="100000"/>
+              </a:lnSpc>
+              <a:spcBef>
+                <a:spcPts val="0"/>
+              </a:spcBef>
+              <a:spcAft>
+                <a:spcPts val="0"/>
+              </a:spcAft>
+              <a:buClr>
+                <a:schemeClr val="lt1"/>
+              </a:buClr>
+              <a:buSzPts val="1000"/>
+              <a:buFont typeface="Arial"/>
+              <a:buNone/>
+            </a:pPr>
+            <a:fld id="{00000000-1234-1234-1234-123412341234}" type="slidenum">
+              <a:rPr lang="en-US" sz="1000" b="0" i="0" u="none">
+                <a:solidFill>
+                  <a:schemeClr val="lt1"/>
+                </a:solidFill>
+                <a:latin typeface="Arial"/>
+                <a:ea typeface="Arial"/>
+                <a:cs typeface="Arial"/>
+                <a:sym typeface="Arial"/>
+              </a:rPr>
+              <a:t>10</a:t>
+            </a:fld>
+            <a:endParaRPr/>
+          </a:p>
+        </p:txBody>
+      </p:sp>
+    </p:spTree>
+  </p:cSld>
+  <p:clrMapOvr>
+    <a:masterClrMapping/>
+  </p:clrMapOvr>
+</p:sld>
+</file>
+
+<file path=ppt/slides/slide11.xml><?xml version="1.0" encoding="utf-8"?>
+<p:sld xmlns:a="http://schemas.openxmlformats.org/drawingml/2006/main" xmlns:r="http://schemas.openxmlformats.org/officeDocument/2006/relationships" xmlns:p="http://schemas.openxmlformats.org/presentationml/2006/main">
+  <p:cSld>
+    <p:spTree>
+      <p:nvGrpSpPr>
+        <p:cNvPr id="1" name="Shape 200"/>
+        <p:cNvGrpSpPr/>
+        <p:nvPr/>
+      </p:nvGrpSpPr>
+      <p:grpSpPr>
+        <a:xfrm>
+          <a:off x="0" y="0"/>
+          <a:ext cx="0" cy="0"/>
+          <a:chOff x="0" y="0"/>
+          <a:chExt cx="0" cy="0"/>
+        </a:xfrm>
+      </p:grpSpPr>
+      <p:sp>
+        <p:nvSpPr>
+          <p:cNvPr id="201" name="Google Shape;201;p30"/>
+          <p:cNvSpPr txBox="1">
+            <a:spLocks noGrp="1"/>
+          </p:cNvSpPr>
+          <p:nvPr>
+            <p:ph type="title"/>
+          </p:nvPr>
+        </p:nvSpPr>
+        <p:spPr>
+          <a:xfrm>
+            <a:off x="311150" y="593725"/>
+            <a:ext cx="8521700" cy="763587"/>
+          </a:xfrm>
+          <a:prstGeom prst="rect">
+            <a:avLst/>
+          </a:prstGeom>
+          <a:noFill/>
+          <a:ln>
+            <a:noFill/>
+          </a:ln>
+        </p:spPr>
+        <p:txBody>
+          <a:bodyPr spcFirstLastPara="1" wrap="square" lIns="91425" tIns="91425" rIns="91425" bIns="91425" anchor="t" anchorCtr="0">
+            <a:noAutofit/>
+          </a:bodyPr>
+          <a:lstStyle/>
+          <a:p>
+            <a:pPr marL="0" lvl="0" indent="0" algn="ctr" rtl="0">
+              <a:lnSpc>
+                <a:spcPct val="100000"/>
+              </a:lnSpc>
+              <a:spcBef>
+                <a:spcPts val="0"/>
+              </a:spcBef>
+              <a:spcAft>
+                <a:spcPts val="0"/>
+              </a:spcAft>
+              <a:buSzPts val="2800"/>
+              <a:buNone/>
+            </a:pPr>
+            <a:r>
+              <a:rPr lang="en-US" sz="3200" b="1" i="0" u="none">
+                <a:solidFill>
+                  <a:srgbClr val="000000"/>
+                </a:solidFill>
+                <a:latin typeface="Times New Roman"/>
+                <a:ea typeface="Times New Roman"/>
+                <a:cs typeface="Times New Roman"/>
+                <a:sym typeface="Times New Roman"/>
+              </a:rPr>
+              <a:t>Tasks On-Going / Planned</a:t>
+            </a:r>
+            <a:endParaRPr/>
+          </a:p>
+        </p:txBody>
+      </p:sp>
+      <p:sp>
+        <p:nvSpPr>
+          <p:cNvPr id="202" name="Google Shape;202;p30"/>
+          <p:cNvSpPr txBox="1">
+            <a:spLocks noGrp="1"/>
+          </p:cNvSpPr>
+          <p:nvPr>
+            <p:ph type="body" idx="1"/>
+          </p:nvPr>
+        </p:nvSpPr>
+        <p:spPr>
+          <a:xfrm>
+            <a:off x="914400" y="1273175"/>
+            <a:ext cx="7360170" cy="4818062"/>
+          </a:xfrm>
+          <a:prstGeom prst="rect">
+            <a:avLst/>
+          </a:prstGeom>
+          <a:noFill/>
+          <a:ln>
+            <a:noFill/>
+          </a:ln>
+        </p:spPr>
+        <p:txBody>
+          <a:bodyPr spcFirstLastPara="1" wrap="square" lIns="91425" tIns="91425" rIns="91425" bIns="91425" anchor="t" anchorCtr="0">
+            <a:noAutofit/>
+          </a:bodyPr>
+          <a:lstStyle/>
+          <a:p>
+            <a:pPr marL="685800" indent="-457200"/>
+            <a:r>
+              <a:rPr lang="en-IN" sz="2400" b="0" i="0" u="none" dirty="0">
+                <a:solidFill>
+                  <a:srgbClr val="000000"/>
+                </a:solidFill>
+                <a:latin typeface="Times New Roman"/>
+                <a:ea typeface="Times New Roman"/>
+                <a:cs typeface="Times New Roman"/>
+                <a:sym typeface="Times New Roman"/>
+              </a:rPr>
+              <a:t>D3.Js </a:t>
+            </a:r>
+          </a:p>
+          <a:p>
+            <a:pPr marL="685800" indent="-457200"/>
+            <a:r>
+              <a:rPr lang="en-IN" sz="2400" b="0" i="0" u="none" dirty="0">
+                <a:solidFill>
+                  <a:srgbClr val="000000"/>
+                </a:solidFill>
+                <a:latin typeface="Times New Roman"/>
+                <a:ea typeface="Times New Roman"/>
+                <a:cs typeface="Times New Roman"/>
+                <a:sym typeface="Times New Roman"/>
+              </a:rPr>
+              <a:t>Learn Vue Box</a:t>
+            </a:r>
+          </a:p>
+          <a:p>
+            <a:pPr marL="685800" indent="-457200"/>
+            <a:r>
+              <a:rPr lang="en-IN" sz="2400" b="0" i="0" u="none" dirty="0">
+                <a:solidFill>
+                  <a:srgbClr val="000000"/>
+                </a:solidFill>
+                <a:latin typeface="Times New Roman"/>
+                <a:ea typeface="Times New Roman"/>
+                <a:cs typeface="Times New Roman"/>
+                <a:sym typeface="Times New Roman"/>
+              </a:rPr>
+              <a:t>Understanding about SVG</a:t>
+            </a:r>
+            <a:r>
+              <a:rPr lang="en-IN" sz="2400" dirty="0">
+                <a:latin typeface="Times New Roman"/>
+                <a:ea typeface="Times New Roman"/>
+                <a:cs typeface="Times New Roman"/>
+                <a:sym typeface="Times New Roman"/>
+              </a:rPr>
+              <a:t> </a:t>
+            </a:r>
+          </a:p>
+          <a:p>
+            <a:pPr marL="685800" indent="-457200"/>
+            <a:r>
+              <a:rPr lang="en-IN" sz="2400" b="0" i="0" u="none" dirty="0">
+                <a:solidFill>
+                  <a:srgbClr val="000000"/>
+                </a:solidFill>
+                <a:latin typeface="Times New Roman"/>
+                <a:ea typeface="Times New Roman"/>
+                <a:cs typeface="Times New Roman"/>
+                <a:sym typeface="Times New Roman"/>
+              </a:rPr>
+              <a:t>Start Coding </a:t>
+            </a:r>
+            <a:endParaRPr sz="2400" b="0" i="0" u="none" dirty="0">
+              <a:solidFill>
+                <a:srgbClr val="000000"/>
+              </a:solidFill>
+              <a:latin typeface="Times New Roman"/>
+              <a:ea typeface="Times New Roman"/>
+              <a:cs typeface="Times New Roman"/>
+              <a:sym typeface="Times New Roman"/>
+            </a:endParaRPr>
+          </a:p>
+        </p:txBody>
+      </p:sp>
+      <p:sp>
+        <p:nvSpPr>
+          <p:cNvPr id="203" name="Google Shape;203;p30"/>
+          <p:cNvSpPr txBox="1"/>
+          <p:nvPr/>
+        </p:nvSpPr>
+        <p:spPr>
+          <a:xfrm>
+            <a:off x="8472487" y="6218237"/>
+            <a:ext cx="549275" cy="523875"/>
+          </a:xfrm>
+          <a:prstGeom prst="rect">
+            <a:avLst/>
+          </a:prstGeom>
+          <a:noFill/>
+          <a:ln>
+            <a:noFill/>
+          </a:ln>
+        </p:spPr>
+        <p:txBody>
+          <a:bodyPr spcFirstLastPara="1" wrap="square" lIns="91425" tIns="91425" rIns="91425" bIns="91425" anchor="ctr" anchorCtr="0">
+            <a:noAutofit/>
+          </a:bodyPr>
+          <a:lstStyle/>
+          <a:p>
+            <a:pPr marL="0" marR="0" lvl="0" indent="0" algn="r" rtl="0">
+              <a:lnSpc>
+                <a:spcPct val="100000"/>
+              </a:lnSpc>
+              <a:spcBef>
+                <a:spcPts val="0"/>
+              </a:spcBef>
+              <a:spcAft>
+                <a:spcPts val="0"/>
+              </a:spcAft>
+              <a:buClr>
+                <a:schemeClr val="lt1"/>
+              </a:buClr>
+              <a:buSzPts val="1000"/>
+              <a:buFont typeface="Arial"/>
+              <a:buNone/>
+            </a:pPr>
+            <a:fld id="{00000000-1234-1234-1234-123412341234}" type="slidenum">
+              <a:rPr lang="en-US" sz="1000" b="0" i="0" u="none">
+                <a:solidFill>
+                  <a:schemeClr val="lt1"/>
+                </a:solidFill>
+                <a:latin typeface="Arial"/>
+                <a:ea typeface="Arial"/>
+                <a:cs typeface="Arial"/>
+                <a:sym typeface="Arial"/>
+              </a:rPr>
+              <a:t>11</a:t>
+            </a:fld>
+            <a:endParaRPr/>
+          </a:p>
+        </p:txBody>
+      </p:sp>
+      <p:pic>
+        <p:nvPicPr>
+          <p:cNvPr id="3" name="Picture 2">
+            <a:extLst>
+              <a:ext uri="{FF2B5EF4-FFF2-40B4-BE49-F238E27FC236}">
+                <a16:creationId xmlns:a16="http://schemas.microsoft.com/office/drawing/2014/main" id="{012DE477-D07A-90DB-3B29-443A9B7C509C}"/>
+              </a:ext>
+            </a:extLst>
+          </p:cNvPr>
+          <p:cNvPicPr>
+            <a:picLocks noChangeAspect="1"/>
+          </p:cNvPicPr>
+          <p:nvPr/>
+        </p:nvPicPr>
+        <p:blipFill>
+          <a:blip r:embed="rId3"/>
+          <a:stretch>
+            <a:fillRect/>
+          </a:stretch>
+        </p:blipFill>
+        <p:spPr>
+          <a:xfrm>
+            <a:off x="2246859" y="3058042"/>
+            <a:ext cx="4751881" cy="2671629"/>
+          </a:xfrm>
+          <a:prstGeom prst="rect">
+            <a:avLst/>
+          </a:prstGeom>
+        </p:spPr>
+      </p:pic>
+    </p:spTree>
+  </p:cSld>
+  <p:clrMapOvr>
+    <a:masterClrMapping/>
+  </p:clrMapOvr>
+</p:sld>
+</file>
+
+<file path=ppt/slides/slide12.xml><?xml version="1.0" encoding="utf-8"?>
 <p:sld xmlns:a="http://schemas.openxmlformats.org/drawingml/2006/main" xmlns:r="http://schemas.openxmlformats.org/officeDocument/2006/relationships" xmlns:p="http://schemas.openxmlformats.org/presentationml/2006/main">
   <p:cSld>
     <p:spTree>
@@ -28932,7 +29890,7 @@
                 <a:cs typeface="Arial"/>
                 <a:sym typeface="Arial"/>
               </a:rPr>
-              <a:t>10</a:t>
+              <a:t>12</a:t>
             </a:fld>
             <a:endParaRPr/>
           </a:p>
@@ -28950,8 +29908,8 @@
         </p:nvSpPr>
         <p:spPr>
           <a:xfrm>
-            <a:off x="295275" y="1587500"/>
-            <a:ext cx="8521700" cy="4554537"/>
+            <a:off x="839449" y="1587500"/>
+            <a:ext cx="7480092" cy="4554537"/>
           </a:xfrm>
           <a:prstGeom prst="rect">
             <a:avLst/>
@@ -28967,7 +29925,7 @@
           </a:bodyPr>
           <a:lstStyle/>
           <a:p>
-            <a:pPr marL="571500" indent="-342900"/>
+            <a:pPr marL="571500" indent="-342900" algn="just"/>
             <a:r>
               <a:rPr lang="en-US" sz="2400" b="0" i="0" u="none" dirty="0">
                 <a:solidFill>
@@ -28982,7 +29940,19 @@
             </a:r>
           </a:p>
           <a:p>
-            <a:pPr marL="571500" indent="-342900"/>
+            <a:pPr marL="571500" indent="-342900" algn="just"/>
+            <a:endParaRPr lang="en-US" sz="2400" b="0" i="0" u="none" dirty="0">
+              <a:solidFill>
+                <a:srgbClr val="000000"/>
+              </a:solidFill>
+              <a:latin typeface="Times New Roman"/>
+              <a:ea typeface="Times New Roman"/>
+              <a:cs typeface="Times New Roman"/>
+              <a:sym typeface="Times New Roman"/>
+            </a:endParaRPr>
+          </a:p>
+          <a:p>
+            <a:pPr marL="571500" indent="-342900" algn="just"/>
             <a:r>
               <a:rPr lang="en-US" sz="2400" dirty="0">
                 <a:latin typeface="Times New Roman"/>
@@ -28994,7 +29964,16 @@
             </a:r>
           </a:p>
           <a:p>
-            <a:pPr marL="571500" indent="-342900"/>
+            <a:pPr marL="571500" indent="-342900" algn="just"/>
+            <a:endParaRPr lang="en-US" sz="2400" dirty="0">
+              <a:latin typeface="Times New Roman"/>
+              <a:ea typeface="Times New Roman"/>
+              <a:cs typeface="Times New Roman"/>
+              <a:sym typeface="Times New Roman"/>
+            </a:endParaRPr>
+          </a:p>
+          <a:p>
+            <a:pPr marL="571500" indent="-342900" algn="just"/>
             <a:r>
               <a:rPr lang="en-US" sz="2400" dirty="0">
                 <a:latin typeface="Times New Roman"/>
@@ -29006,7 +29985,16 @@
             </a:r>
           </a:p>
           <a:p>
-            <a:pPr marL="571500" indent="-342900"/>
+            <a:pPr marL="571500" indent="-342900" algn="just"/>
+            <a:endParaRPr lang="en-US" sz="2400" dirty="0">
+              <a:latin typeface="Times New Roman"/>
+              <a:ea typeface="Times New Roman"/>
+              <a:cs typeface="Times New Roman"/>
+              <a:sym typeface="Times New Roman"/>
+            </a:endParaRPr>
+          </a:p>
+          <a:p>
+            <a:pPr marL="571500" indent="-342900" algn="just"/>
             <a:r>
               <a:rPr lang="en-US" sz="2400" dirty="0">
                 <a:latin typeface="Times New Roman"/>
@@ -29027,7 +30015,7 @@
             </a:endParaRPr>
           </a:p>
           <a:p>
-            <a:pPr marL="571500" indent="-342900"/>
+            <a:pPr marL="571500" indent="-342900" algn="just"/>
             <a:endParaRPr lang="en-US" sz="2400" b="0" i="0" u="none" dirty="0">
               <a:solidFill>
                 <a:srgbClr val="000000"/>
@@ -29039,7 +30027,7 @@
             </a:endParaRPr>
           </a:p>
           <a:p>
-            <a:pPr marL="228600" indent="0">
+            <a:pPr marL="228600" indent="0" algn="just">
               <a:buNone/>
             </a:pPr>
             <a:endParaRPr lang="en-US" sz="2400" b="0" i="0" u="none" dirty="0">
@@ -29053,7 +30041,7 @@
             </a:endParaRPr>
           </a:p>
           <a:p>
-            <a:pPr marL="571500" indent="-342900"/>
+            <a:pPr marL="571500" indent="-342900" algn="just"/>
             <a:endParaRPr lang="en-IN" sz="2400" b="0" i="0" u="none" dirty="0">
               <a:solidFill>
                 <a:srgbClr val="000000"/>
@@ -29132,7 +30120,7 @@
 </p:sld>
 </file>
 
-<file path=ppt/slides/slide11.xml><?xml version="1.0" encoding="utf-8"?>
+<file path=ppt/slides/slide13.xml><?xml version="1.0" encoding="utf-8"?>
 <p:sld xmlns:a="http://schemas.openxmlformats.org/drawingml/2006/main" xmlns:r="http://schemas.openxmlformats.org/officeDocument/2006/relationships" xmlns:p="http://schemas.openxmlformats.org/presentationml/2006/main">
   <p:cSld>
     <p:spTree>
@@ -29259,7 +30247,7 @@
                 <a:cs typeface="Arial"/>
                 <a:sym typeface="Arial"/>
               </a:rPr>
-              <a:t>11</a:t>
+              <a:t>13</a:t>
             </a:fld>
             <a:endParaRPr/>
           </a:p>
@@ -29532,7 +30520,7 @@
         <p:spPr>
           <a:xfrm>
             <a:off x="659566" y="1794174"/>
-            <a:ext cx="8224083" cy="3122600"/>
+            <a:ext cx="7812921" cy="3692226"/>
           </a:xfrm>
           <a:prstGeom prst="rect">
             <a:avLst/>
@@ -29557,7 +30545,7 @@
               </a:spcAft>
             </a:pPr>
             <a:r>
-              <a:rPr lang="en-US" sz="2000" b="0" i="0" u="none" strike="noStrike" dirty="0">
+              <a:rPr lang="en-US" sz="2400" b="0" i="0" u="none" strike="noStrike" dirty="0">
                 <a:solidFill>
                   <a:srgbClr val="000000"/>
                 </a:solidFill>
@@ -29577,8 +30565,26 @@
                 <a:spcPts val="0"/>
               </a:spcAft>
             </a:pPr>
+            <a:endParaRPr lang="en-US" sz="2400" b="0" i="0" u="none" strike="noStrike" dirty="0">
+              <a:solidFill>
+                <a:srgbClr val="000000"/>
+              </a:solidFill>
+              <a:effectLst/>
+              <a:latin typeface="Times New Roman" panose="02020603050405020304" pitchFamily="18" charset="0"/>
+              <a:cs typeface="Times New Roman" panose="02020603050405020304" pitchFamily="18" charset="0"/>
+            </a:endParaRPr>
+          </a:p>
+          <a:p>
+            <a:pPr algn="just" rtl="0">
+              <a:spcBef>
+                <a:spcPts val="0"/>
+              </a:spcBef>
+              <a:spcAft>
+                <a:spcPts val="0"/>
+              </a:spcAft>
+            </a:pPr>
             <a:r>
-              <a:rPr lang="en-US" sz="2000" b="0" i="0" u="none" strike="noStrike" dirty="0">
+              <a:rPr lang="en-US" sz="2400" b="0" i="0" u="none" strike="noStrike" dirty="0">
                 <a:solidFill>
                   <a:srgbClr val="000000"/>
                 </a:solidFill>
@@ -29598,15 +30604,33 @@
                 <a:spcPts val="0"/>
               </a:spcAft>
             </a:pPr>
+            <a:endParaRPr lang="en-US" sz="2400" b="0" i="0" u="none" strike="noStrike" dirty="0">
+              <a:solidFill>
+                <a:srgbClr val="000000"/>
+              </a:solidFill>
+              <a:effectLst/>
+              <a:latin typeface="Times New Roman" panose="02020603050405020304" pitchFamily="18" charset="0"/>
+              <a:cs typeface="Times New Roman" panose="02020603050405020304" pitchFamily="18" charset="0"/>
+            </a:endParaRPr>
+          </a:p>
+          <a:p>
+            <a:pPr algn="just" rtl="0">
+              <a:spcBef>
+                <a:spcPts val="0"/>
+              </a:spcBef>
+              <a:spcAft>
+                <a:spcPts val="0"/>
+              </a:spcAft>
+            </a:pPr>
             <a:r>
-              <a:rPr lang="en-US" sz="2000" dirty="0">
+              <a:rPr lang="en-US" sz="2400" dirty="0">
                 <a:latin typeface="Times New Roman" panose="02020603050405020304" pitchFamily="18" charset="0"/>
                 <a:cs typeface="Times New Roman" panose="02020603050405020304" pitchFamily="18" charset="0"/>
               </a:rPr>
               <a:t>S</a:t>
             </a:r>
             <a:r>
-              <a:rPr lang="en-US" sz="2000" b="0" i="0" u="none" strike="noStrike" dirty="0">
+              <a:rPr lang="en-US" sz="2400" b="0" i="0" u="none" strike="noStrike" dirty="0">
                 <a:solidFill>
                   <a:srgbClr val="000000"/>
                 </a:solidFill>
@@ -29626,8 +30650,26 @@
                 <a:spcPts val="0"/>
               </a:spcAft>
             </a:pPr>
+            <a:endParaRPr lang="en-US" sz="2400" b="0" i="0" u="none" strike="noStrike" dirty="0">
+              <a:solidFill>
+                <a:srgbClr val="000000"/>
+              </a:solidFill>
+              <a:effectLst/>
+              <a:latin typeface="Times New Roman" panose="02020603050405020304" pitchFamily="18" charset="0"/>
+              <a:cs typeface="Times New Roman" panose="02020603050405020304" pitchFamily="18" charset="0"/>
+            </a:endParaRPr>
+          </a:p>
+          <a:p>
+            <a:pPr algn="just" rtl="0">
+              <a:spcBef>
+                <a:spcPts val="0"/>
+              </a:spcBef>
+              <a:spcAft>
+                <a:spcPts val="0"/>
+              </a:spcAft>
+            </a:pPr>
             <a:r>
-              <a:rPr lang="en-US" sz="2000" b="0" i="0" u="none" strike="noStrike" dirty="0">
+              <a:rPr lang="en-US" sz="2400" b="0" i="0" u="none" strike="noStrike" dirty="0">
                 <a:solidFill>
                   <a:srgbClr val="000000"/>
                 </a:solidFill>
@@ -29637,7 +30679,7 @@
               </a:rPr>
               <a:t> They offer sophisticated tech solutions to achieve performance optimization.</a:t>
             </a:r>
-            <a:endParaRPr lang="en-US" sz="2000" b="0" dirty="0">
+            <a:endParaRPr lang="en-US" sz="2400" b="0" dirty="0">
               <a:effectLst/>
               <a:latin typeface="Times New Roman" panose="02020603050405020304" pitchFamily="18" charset="0"/>
               <a:cs typeface="Times New Roman" panose="02020603050405020304" pitchFamily="18" charset="0"/>
@@ -29648,12 +30690,12 @@
               <a:buNone/>
             </a:pPr>
             <a:br>
-              <a:rPr lang="en-US" sz="2000" dirty="0">
+              <a:rPr lang="en-US" sz="2400" dirty="0">
                 <a:latin typeface="Times New Roman" panose="02020603050405020304" pitchFamily="18" charset="0"/>
                 <a:cs typeface="Times New Roman" panose="02020603050405020304" pitchFamily="18" charset="0"/>
               </a:rPr>
             </a:br>
-            <a:endParaRPr sz="2000" b="0" i="0" u="none" dirty="0">
+            <a:endParaRPr sz="2400" b="0" i="0" u="none" dirty="0">
               <a:solidFill>
                 <a:srgbClr val="000000"/>
               </a:solidFill>
@@ -29819,7 +30861,7 @@
         <p:spPr>
           <a:xfrm>
             <a:off x="563198" y="1662112"/>
-            <a:ext cx="7909289" cy="4004170"/>
+            <a:ext cx="7741353" cy="4004170"/>
           </a:xfrm>
           <a:prstGeom prst="rect">
             <a:avLst/>
@@ -29844,7 +30886,7 @@
               </a:spcAft>
             </a:pPr>
             <a:r>
-              <a:rPr lang="en-US" sz="2000" b="0" i="0" u="none" strike="noStrike" dirty="0" err="1">
+              <a:rPr lang="en-US" sz="2400" b="0" i="0" u="none" strike="noStrike" dirty="0" err="1">
                 <a:solidFill>
                   <a:srgbClr val="000000"/>
                 </a:solidFill>
@@ -29854,7 +30896,7 @@
               <a:t>SimplifyCV</a:t>
             </a:r>
             <a:r>
-              <a:rPr lang="en-US" sz="2000" b="0" i="0" u="none" strike="noStrike" dirty="0">
+              <a:rPr lang="en-US" sz="2400" b="0" i="0" u="none" strike="noStrike" dirty="0">
                 <a:solidFill>
                   <a:srgbClr val="000000"/>
                 </a:solidFill>
@@ -29873,8 +30915,25 @@
                 <a:spcPts val="0"/>
               </a:spcAft>
             </a:pPr>
+            <a:endParaRPr lang="en-US" sz="2400" b="0" i="0" u="none" strike="noStrike" dirty="0">
+              <a:solidFill>
+                <a:srgbClr val="000000"/>
+              </a:solidFill>
+              <a:effectLst/>
+              <a:latin typeface="Times New Roman" panose="02020603050405020304" pitchFamily="18" charset="0"/>
+            </a:endParaRPr>
+          </a:p>
+          <a:p>
+            <a:pPr algn="just" rtl="0">
+              <a:spcBef>
+                <a:spcPts val="0"/>
+              </a:spcBef>
+              <a:spcAft>
+                <a:spcPts val="0"/>
+              </a:spcAft>
+            </a:pPr>
             <a:r>
-              <a:rPr lang="en-US" sz="2000" b="0" i="0" u="none" strike="noStrike" dirty="0">
+              <a:rPr lang="en-US" sz="2400" b="0" i="0" u="none" strike="noStrike" dirty="0">
                 <a:solidFill>
                   <a:srgbClr val="000000"/>
                 </a:solidFill>
@@ -29884,7 +30943,7 @@
               <a:t>Project has </a:t>
             </a:r>
             <a:r>
-              <a:rPr lang="en-US" sz="2000" b="0" i="0" u="none" strike="noStrike" dirty="0">
+              <a:rPr lang="en-US" sz="2400" b="0" i="0" u="none" strike="noStrike" dirty="0">
                 <a:solidFill>
                   <a:srgbClr val="000000"/>
                 </a:solidFill>
@@ -29903,14 +30962,31 @@
                 <a:spcPts val="0"/>
               </a:spcAft>
             </a:pPr>
+            <a:endParaRPr lang="en-US" sz="2400" b="0" i="0" u="none" strike="noStrike" dirty="0">
+              <a:solidFill>
+                <a:srgbClr val="000000"/>
+              </a:solidFill>
+              <a:effectLst/>
+              <a:latin typeface="Arial" panose="020B0604020202020204" pitchFamily="34" charset="0"/>
+            </a:endParaRPr>
+          </a:p>
+          <a:p>
+            <a:pPr algn="just" rtl="0">
+              <a:spcBef>
+                <a:spcPts val="0"/>
+              </a:spcBef>
+              <a:spcAft>
+                <a:spcPts val="0"/>
+              </a:spcAft>
+            </a:pPr>
             <a:r>
-              <a:rPr lang="en-US" sz="2000" dirty="0">
+              <a:rPr lang="en-US" sz="2400" dirty="0">
                 <a:latin typeface="Times New Roman" panose="02020603050405020304" pitchFamily="18" charset="0"/>
               </a:rPr>
               <a:t>It is a </a:t>
             </a:r>
             <a:r>
-              <a:rPr lang="en-US" sz="2000" b="0" i="0" u="none" strike="noStrike" dirty="0">
+              <a:rPr lang="en-US" sz="2400" b="0" i="0" u="none" strike="noStrike" dirty="0">
                 <a:solidFill>
                   <a:srgbClr val="000000"/>
                 </a:solidFill>
@@ -29929,8 +31005,138 @@
                 <a:spcPts val="0"/>
               </a:spcAft>
             </a:pPr>
+            <a:endParaRPr lang="en-US" sz="2400" b="0" i="0" u="none" strike="noStrike" dirty="0">
+              <a:solidFill>
+                <a:srgbClr val="000000"/>
+              </a:solidFill>
+              <a:effectLst/>
+              <a:latin typeface="Times New Roman" panose="02020603050405020304" pitchFamily="18" charset="0"/>
+            </a:endParaRPr>
+          </a:p>
+        </p:txBody>
+      </p:sp>
+      <p:sp>
+        <p:nvSpPr>
+          <p:cNvPr id="168" name="Google Shape;168;p25"/>
+          <p:cNvSpPr txBox="1"/>
+          <p:nvPr/>
+        </p:nvSpPr>
+        <p:spPr>
+          <a:xfrm>
+            <a:off x="8472487" y="6218237"/>
+            <a:ext cx="549275" cy="523875"/>
+          </a:xfrm>
+          <a:prstGeom prst="rect">
+            <a:avLst/>
+          </a:prstGeom>
+          <a:noFill/>
+          <a:ln>
+            <a:noFill/>
+          </a:ln>
+        </p:spPr>
+        <p:txBody>
+          <a:bodyPr spcFirstLastPara="1" wrap="square" lIns="91425" tIns="91425" rIns="91425" bIns="91425" anchor="ctr" anchorCtr="0">
+            <a:noAutofit/>
+          </a:bodyPr>
+          <a:lstStyle/>
+          <a:p>
+            <a:pPr marL="0" marR="0" lvl="0" indent="0" algn="r" rtl="0">
+              <a:lnSpc>
+                <a:spcPct val="100000"/>
+              </a:lnSpc>
+              <a:spcBef>
+                <a:spcPts val="0"/>
+              </a:spcBef>
+              <a:spcAft>
+                <a:spcPts val="0"/>
+              </a:spcAft>
+              <a:buClr>
+                <a:schemeClr val="lt1"/>
+              </a:buClr>
+              <a:buSzPts val="1000"/>
+              <a:buFont typeface="Arial"/>
+              <a:buNone/>
+            </a:pPr>
+            <a:fld id="{00000000-1234-1234-1234-123412341234}" type="slidenum">
+              <a:rPr lang="en-US" sz="1000" b="0" i="0" u="none">
+                <a:solidFill>
+                  <a:schemeClr val="lt1"/>
+                </a:solidFill>
+                <a:latin typeface="Arial"/>
+                <a:ea typeface="Arial"/>
+                <a:cs typeface="Arial"/>
+                <a:sym typeface="Arial"/>
+              </a:rPr>
+              <a:t>4</a:t>
+            </a:fld>
+            <a:endParaRPr/>
+          </a:p>
+        </p:txBody>
+      </p:sp>
+    </p:spTree>
+  </p:cSld>
+  <p:clrMapOvr>
+    <a:masterClrMapping/>
+  </p:clrMapOvr>
+</p:sld>
+</file>
+
+<file path=ppt/slides/slide5.xml><?xml version="1.0" encoding="utf-8"?>
+<p:sld xmlns:a="http://schemas.openxmlformats.org/drawingml/2006/main" xmlns:r="http://schemas.openxmlformats.org/officeDocument/2006/relationships" xmlns:p="http://schemas.openxmlformats.org/presentationml/2006/main">
+  <p:cSld>
+    <p:spTree>
+      <p:nvGrpSpPr>
+        <p:cNvPr id="1" name="Shape 165"/>
+        <p:cNvGrpSpPr/>
+        <p:nvPr/>
+      </p:nvGrpSpPr>
+      <p:grpSpPr>
+        <a:xfrm>
+          <a:off x="0" y="0"/>
+          <a:ext cx="0" cy="0"/>
+          <a:chOff x="0" y="0"/>
+          <a:chExt cx="0" cy="0"/>
+        </a:xfrm>
+      </p:grpSpPr>
+      <p:sp>
+        <p:nvSpPr>
+          <p:cNvPr id="167" name="Google Shape;167;p25"/>
+          <p:cNvSpPr txBox="1">
+            <a:spLocks noGrp="1"/>
+          </p:cNvSpPr>
+          <p:nvPr>
+            <p:ph type="body" idx="1"/>
+          </p:nvPr>
+        </p:nvSpPr>
+        <p:spPr>
+          <a:xfrm>
+            <a:off x="563198" y="1662112"/>
+            <a:ext cx="7726363" cy="4004170"/>
+          </a:xfrm>
+          <a:prstGeom prst="rect">
+            <a:avLst/>
+          </a:prstGeom>
+          <a:noFill/>
+          <a:ln>
+            <a:noFill/>
+          </a:ln>
+        </p:spPr>
+        <p:txBody>
+          <a:bodyPr spcFirstLastPara="1" wrap="square" lIns="91425" tIns="91425" rIns="91425" bIns="91425" anchor="t" anchorCtr="0">
+            <a:noAutofit/>
+          </a:bodyPr>
+          <a:lstStyle/>
+          <a:p>
+            <a:pPr algn="just" rtl="0">
+              <a:spcBef>
+                <a:spcPts val="0"/>
+              </a:spcBef>
+              <a:spcAft>
+                <a:spcPts val="0"/>
+              </a:spcAft>
+            </a:pPr>
             <a:r>
-              <a:rPr lang="en-US" sz="2000" b="0" i="0" u="none" strike="noStrike" dirty="0">
+              <a:rPr lang="en-US" sz="2400" b="0" i="0" u="none" strike="noStrike" dirty="0">
                 <a:solidFill>
                   <a:srgbClr val="000000"/>
                 </a:solidFill>
@@ -29949,17 +31155,34 @@
                 <a:spcPts val="0"/>
               </a:spcAft>
             </a:pPr>
+            <a:endParaRPr lang="en-US" sz="2400" b="0" i="0" u="none" strike="noStrike" dirty="0">
+              <a:solidFill>
+                <a:srgbClr val="000000"/>
+              </a:solidFill>
+              <a:effectLst/>
+              <a:latin typeface="Times New Roman" panose="02020603050405020304" pitchFamily="18" charset="0"/>
+            </a:endParaRPr>
+          </a:p>
+          <a:p>
+            <a:pPr algn="just" rtl="0">
+              <a:spcBef>
+                <a:spcPts val="0"/>
+              </a:spcBef>
+              <a:spcAft>
+                <a:spcPts val="0"/>
+              </a:spcAft>
+            </a:pPr>
             <a:r>
-              <a:rPr lang="en-US" sz="2000" b="0" dirty="0">
+              <a:rPr lang="en-US" sz="2400" b="0" dirty="0">
                 <a:effectLst/>
                 <a:latin typeface="Times New Roman" panose="02020603050405020304" pitchFamily="18" charset="0"/>
               </a:rPr>
               <a:t>It holds commercial plans with various features. It allows the user not to have to do all of the work themselves, making it a quick and straightforward process of creating a resume or a cover letter for a job.</a:t>
             </a:r>
             <a:br>
-              <a:rPr lang="en-US" sz="3600" dirty="0"/>
+              <a:rPr lang="en-US" sz="2400" dirty="0"/>
             </a:br>
-            <a:endParaRPr lang="en-US" sz="2800" b="0" i="0" u="none" dirty="0">
+            <a:endParaRPr lang="en-US" sz="2400" b="0" i="0" u="none" dirty="0">
               <a:solidFill>
                 <a:srgbClr val="000000"/>
               </a:solidFill>
@@ -30023,13 +31246,18 @@
                 <a:cs typeface="Arial"/>
                 <a:sym typeface="Arial"/>
               </a:rPr>
-              <a:t>4</a:t>
+              <a:t>5</a:t>
             </a:fld>
             <a:endParaRPr/>
           </a:p>
         </p:txBody>
       </p:sp>
     </p:spTree>
+    <p:extLst>
+      <p:ext uri="{BB962C8B-B14F-4D97-AF65-F5344CB8AC3E}">
+        <p14:creationId xmlns:p14="http://schemas.microsoft.com/office/powerpoint/2010/main" val="2005313362"/>
+      </p:ext>
+    </p:extLst>
   </p:cSld>
   <p:clrMapOvr>
     <a:masterClrMapping/>
@@ -30037,7 +31265,7 @@
 </p:sld>
 </file>
 
-<file path=ppt/slides/slide5.xml><?xml version="1.0" encoding="utf-8"?>
+<file path=ppt/slides/slide6.xml><?xml version="1.0" encoding="utf-8"?>
 <p:sld xmlns:a="http://schemas.openxmlformats.org/drawingml/2006/main" xmlns:r="http://schemas.openxmlformats.org/officeDocument/2006/relationships" xmlns:p="http://schemas.openxmlformats.org/presentationml/2006/main">
   <p:cSld>
     <p:spTree>
@@ -30124,8 +31352,8 @@
         </p:nvSpPr>
         <p:spPr>
           <a:xfrm>
-            <a:off x="311150" y="1273175"/>
-            <a:ext cx="8623300" cy="4818062"/>
+            <a:off x="839448" y="1273175"/>
+            <a:ext cx="7435121" cy="4818062"/>
           </a:xfrm>
           <a:prstGeom prst="rect">
             <a:avLst/>
@@ -30150,7 +31378,7 @@
               </a:spcAft>
             </a:pPr>
             <a:r>
-              <a:rPr lang="en-US" sz="2000" b="0" i="0" u="none" strike="noStrike" dirty="0">
+              <a:rPr lang="en-US" sz="2400" b="0" i="0" u="none" strike="noStrike" dirty="0">
                 <a:solidFill>
                   <a:srgbClr val="000000"/>
                 </a:solidFill>
@@ -30170,86 +31398,84 @@
                 <a:spcPts val="0"/>
               </a:spcAft>
             </a:pPr>
-            <a:r>
-              <a:rPr lang="en-US" sz="2000" b="0" i="0" u="none" strike="noStrike" dirty="0">
-                <a:solidFill>
-                  <a:srgbClr val="000000"/>
-                </a:solidFill>
-                <a:effectLst/>
-                <a:latin typeface="Times New Roman" panose="02020603050405020304" pitchFamily="18" charset="0"/>
-                <a:cs typeface="Times New Roman" panose="02020603050405020304" pitchFamily="18" charset="0"/>
-              </a:rPr>
-              <a:t>The recruitment module helps make Job Descriptions, schedule assessments and interviews, appoint a recruiter and panelist and declare the result of selection.</a:t>
-            </a:r>
-          </a:p>
-          <a:p>
-            <a:pPr algn="just" rtl="0">
-              <a:spcBef>
-                <a:spcPts val="0"/>
-              </a:spcBef>
-              <a:spcAft>
-                <a:spcPts val="0"/>
-              </a:spcAft>
-            </a:pPr>
-            <a:r>
-              <a:rPr lang="en-US" sz="2000" dirty="0">
-                <a:latin typeface="Times New Roman" panose="02020603050405020304" pitchFamily="18" charset="0"/>
-                <a:cs typeface="Times New Roman" panose="02020603050405020304" pitchFamily="18" charset="0"/>
-              </a:rPr>
-              <a:t>It also includes generating reports for students like how they have performed in different subjects in the test they have attended.</a:t>
-            </a:r>
-            <a:endParaRPr lang="en-US" sz="2000" b="0" dirty="0">
+            <a:endParaRPr lang="en-US" sz="2400" b="0" i="0" u="none" strike="noStrike" dirty="0">
+              <a:solidFill>
+                <a:srgbClr val="000000"/>
+              </a:solidFill>
               <a:effectLst/>
               <a:latin typeface="Times New Roman" panose="02020603050405020304" pitchFamily="18" charset="0"/>
               <a:cs typeface="Times New Roman" panose="02020603050405020304" pitchFamily="18" charset="0"/>
             </a:endParaRPr>
           </a:p>
           <a:p>
+            <a:pPr algn="just" rtl="0">
+              <a:spcBef>
+                <a:spcPts val="0"/>
+              </a:spcBef>
+              <a:spcAft>
+                <a:spcPts val="0"/>
+              </a:spcAft>
+            </a:pPr>
             <a:r>
-              <a:rPr lang="en-US" sz="2000" dirty="0">
+              <a:rPr lang="en-US" sz="2400" b="0" i="0" u="none" strike="noStrike" dirty="0">
+                <a:solidFill>
+                  <a:srgbClr val="000000"/>
+                </a:solidFill>
+                <a:effectLst/>
                 <a:latin typeface="Times New Roman" panose="02020603050405020304" pitchFamily="18" charset="0"/>
                 <a:cs typeface="Times New Roman" panose="02020603050405020304" pitchFamily="18" charset="0"/>
               </a:rPr>
-              <a:t>Different Users have different functionalities. It basically includes 6 Logins</a:t>
+              <a:t>The recruitment module helps make Job Descriptions, schedule assessments, and interviews, appoint a recruiter and panelist and declare the result of selection.</a:t>
             </a:r>
-            <a:br>
-              <a:rPr lang="en-US" sz="2000" dirty="0">
+          </a:p>
+          <a:p>
+            <a:pPr algn="just" rtl="0">
+              <a:spcBef>
+                <a:spcPts val="0"/>
+              </a:spcBef>
+              <a:spcAft>
+                <a:spcPts val="0"/>
+              </a:spcAft>
+            </a:pPr>
+            <a:endParaRPr lang="en-US" sz="2400" b="0" i="0" u="none" strike="noStrike" dirty="0">
+              <a:solidFill>
+                <a:srgbClr val="000000"/>
+              </a:solidFill>
+              <a:effectLst/>
+              <a:latin typeface="Times New Roman" panose="02020603050405020304" pitchFamily="18" charset="0"/>
+              <a:cs typeface="Times New Roman" panose="02020603050405020304" pitchFamily="18" charset="0"/>
+            </a:endParaRPr>
+          </a:p>
+          <a:p>
+            <a:pPr algn="just" rtl="0">
+              <a:spcBef>
+                <a:spcPts val="0"/>
+              </a:spcBef>
+              <a:spcAft>
+                <a:spcPts val="0"/>
+              </a:spcAft>
+            </a:pPr>
+            <a:r>
+              <a:rPr lang="en-US" sz="2400" dirty="0">
                 <a:latin typeface="Times New Roman" panose="02020603050405020304" pitchFamily="18" charset="0"/>
                 <a:cs typeface="Times New Roman" panose="02020603050405020304" pitchFamily="18" charset="0"/>
               </a:rPr>
-            </a:br>
-            <a:r>
-              <a:rPr lang="en-US" sz="2000" dirty="0">
-                <a:latin typeface="Times New Roman" panose="02020603050405020304" pitchFamily="18" charset="0"/>
-                <a:cs typeface="Times New Roman" panose="02020603050405020304" pitchFamily="18" charset="0"/>
-                <a:sym typeface="Times New Roman"/>
-              </a:rPr>
-              <a:t>Admin, </a:t>
+              <a:t>It also includes generating reports for students like how they have performed in different subjects in the test they have attended.</a:t>
             </a:r>
-            <a:r>
-              <a:rPr lang="en-US" sz="2000" dirty="0" err="1">
-                <a:latin typeface="Times New Roman" panose="02020603050405020304" pitchFamily="18" charset="0"/>
-                <a:cs typeface="Times New Roman" panose="02020603050405020304" pitchFamily="18" charset="0"/>
-                <a:sym typeface="Times New Roman"/>
-              </a:rPr>
-              <a:t>Obset</a:t>
-            </a:r>
-            <a:r>
-              <a:rPr lang="en-US" sz="2000" dirty="0">
-                <a:latin typeface="Times New Roman" panose="02020603050405020304" pitchFamily="18" charset="0"/>
-                <a:cs typeface="Times New Roman" panose="02020603050405020304" pitchFamily="18" charset="0"/>
-                <a:sym typeface="Times New Roman"/>
-              </a:rPr>
-              <a:t>, Recruiter, Panel, HR, and Vendor.</a:t>
-            </a:r>
-            <a:endParaRPr sz="2000" b="0" i="0" u="none" dirty="0">
-              <a:solidFill>
-                <a:srgbClr val="000000"/>
-              </a:solidFill>
+          </a:p>
+          <a:p>
+            <a:pPr algn="just" rtl="0">
+              <a:spcBef>
+                <a:spcPts val="0"/>
+              </a:spcBef>
+              <a:spcAft>
+                <a:spcPts val="0"/>
+              </a:spcAft>
+            </a:pPr>
+            <a:endParaRPr lang="en-US" sz="2400" b="0" dirty="0">
+              <a:effectLst/>
               <a:latin typeface="Times New Roman" panose="02020603050405020304" pitchFamily="18" charset="0"/>
-              <a:ea typeface="Times New Roman"/>
               <a:cs typeface="Times New Roman" panose="02020603050405020304" pitchFamily="18" charset="0"/>
-              <a:sym typeface="Times New Roman"/>
             </a:endParaRPr>
           </a:p>
           <a:p>
@@ -30269,7 +31495,7 @@
               <a:buSzPts val="2200"/>
               <a:buNone/>
             </a:pPr>
-            <a:endParaRPr sz="2000" b="0" i="0" u="none" dirty="0">
+            <a:endParaRPr sz="2400" b="0" i="0" u="none" dirty="0">
               <a:solidFill>
                 <a:srgbClr val="000000"/>
               </a:solidFill>
@@ -30333,7 +31559,7 @@
                 <a:cs typeface="Arial"/>
                 <a:sym typeface="Arial"/>
               </a:rPr>
-              <a:t>5</a:t>
+              <a:t>6</a:t>
             </a:fld>
             <a:endParaRPr/>
           </a:p>
@@ -30347,7 +31573,168 @@
 </p:sld>
 </file>
 
-<file path=ppt/slides/slide6.xml><?xml version="1.0" encoding="utf-8"?>
+<file path=ppt/slides/slide7.xml><?xml version="1.0" encoding="utf-8"?>
+<p:sld xmlns:a="http://schemas.openxmlformats.org/drawingml/2006/main" xmlns:r="http://schemas.openxmlformats.org/officeDocument/2006/relationships" xmlns:p="http://schemas.openxmlformats.org/presentationml/2006/main">
+  <p:cSld>
+    <p:spTree>
+      <p:nvGrpSpPr>
+        <p:cNvPr id="1" name="Shape 172"/>
+        <p:cNvGrpSpPr/>
+        <p:nvPr/>
+      </p:nvGrpSpPr>
+      <p:grpSpPr>
+        <a:xfrm>
+          <a:off x="0" y="0"/>
+          <a:ext cx="0" cy="0"/>
+          <a:chOff x="0" y="0"/>
+          <a:chExt cx="0" cy="0"/>
+        </a:xfrm>
+      </p:grpSpPr>
+      <p:sp>
+        <p:nvSpPr>
+          <p:cNvPr id="174" name="Google Shape;174;p26"/>
+          <p:cNvSpPr txBox="1">
+            <a:spLocks noGrp="1"/>
+          </p:cNvSpPr>
+          <p:nvPr>
+            <p:ph type="body" idx="1"/>
+          </p:nvPr>
+        </p:nvSpPr>
+        <p:spPr>
+          <a:xfrm>
+            <a:off x="839448" y="1454047"/>
+            <a:ext cx="7435121" cy="4637190"/>
+          </a:xfrm>
+          <a:prstGeom prst="rect">
+            <a:avLst/>
+          </a:prstGeom>
+          <a:noFill/>
+          <a:ln>
+            <a:noFill/>
+          </a:ln>
+        </p:spPr>
+        <p:txBody>
+          <a:bodyPr spcFirstLastPara="1" wrap="square" lIns="91425" tIns="91425" rIns="91425" bIns="91425" anchor="t" anchorCtr="0">
+            <a:noAutofit/>
+          </a:bodyPr>
+          <a:lstStyle/>
+          <a:p>
+            <a:pPr algn="just"/>
+            <a:r>
+              <a:rPr lang="en-US" sz="2400" dirty="0">
+                <a:latin typeface="Times New Roman" panose="02020603050405020304" pitchFamily="18" charset="0"/>
+                <a:cs typeface="Times New Roman" panose="02020603050405020304" pitchFamily="18" charset="0"/>
+              </a:rPr>
+              <a:t>Different Users have different functionalities. It basically includes 6 Logins -- </a:t>
+            </a:r>
+            <a:r>
+              <a:rPr lang="en-US" sz="2400" dirty="0">
+                <a:latin typeface="Times New Roman" panose="02020603050405020304" pitchFamily="18" charset="0"/>
+                <a:cs typeface="Times New Roman" panose="02020603050405020304" pitchFamily="18" charset="0"/>
+                <a:sym typeface="Times New Roman"/>
+              </a:rPr>
+              <a:t>Admin, </a:t>
+            </a:r>
+            <a:r>
+              <a:rPr lang="en-US" sz="2400" dirty="0" err="1">
+                <a:latin typeface="Times New Roman" panose="02020603050405020304" pitchFamily="18" charset="0"/>
+                <a:cs typeface="Times New Roman" panose="02020603050405020304" pitchFamily="18" charset="0"/>
+                <a:sym typeface="Times New Roman"/>
+              </a:rPr>
+              <a:t>Obset</a:t>
+            </a:r>
+            <a:r>
+              <a:rPr lang="en-US" sz="2400" dirty="0">
+                <a:latin typeface="Times New Roman" panose="02020603050405020304" pitchFamily="18" charset="0"/>
+                <a:cs typeface="Times New Roman" panose="02020603050405020304" pitchFamily="18" charset="0"/>
+                <a:sym typeface="Times New Roman"/>
+              </a:rPr>
+              <a:t>, Recruiter, Panel, HR, and Vendor.</a:t>
+            </a:r>
+            <a:endParaRPr lang="en-US" sz="2400" b="0" i="0" u="none" dirty="0">
+              <a:solidFill>
+                <a:srgbClr val="000000"/>
+              </a:solidFill>
+              <a:latin typeface="Times New Roman" panose="02020603050405020304" pitchFamily="18" charset="0"/>
+              <a:ea typeface="Times New Roman"/>
+              <a:cs typeface="Times New Roman" panose="02020603050405020304" pitchFamily="18" charset="0"/>
+              <a:sym typeface="Times New Roman"/>
+            </a:endParaRPr>
+          </a:p>
+        </p:txBody>
+      </p:sp>
+      <p:sp>
+        <p:nvSpPr>
+          <p:cNvPr id="175" name="Google Shape;175;p26"/>
+          <p:cNvSpPr txBox="1"/>
+          <p:nvPr/>
+        </p:nvSpPr>
+        <p:spPr>
+          <a:xfrm>
+            <a:off x="8472487" y="6218237"/>
+            <a:ext cx="549275" cy="523875"/>
+          </a:xfrm>
+          <a:prstGeom prst="rect">
+            <a:avLst/>
+          </a:prstGeom>
+          <a:noFill/>
+          <a:ln>
+            <a:noFill/>
+          </a:ln>
+        </p:spPr>
+        <p:txBody>
+          <a:bodyPr spcFirstLastPara="1" wrap="square" lIns="91425" tIns="91425" rIns="91425" bIns="91425" anchor="ctr" anchorCtr="0">
+            <a:noAutofit/>
+          </a:bodyPr>
+          <a:lstStyle/>
+          <a:p>
+            <a:pPr marL="0" marR="0" lvl="0" indent="0" algn="r" rtl="0">
+              <a:lnSpc>
+                <a:spcPct val="100000"/>
+              </a:lnSpc>
+              <a:spcBef>
+                <a:spcPts val="0"/>
+              </a:spcBef>
+              <a:spcAft>
+                <a:spcPts val="0"/>
+              </a:spcAft>
+              <a:buClr>
+                <a:schemeClr val="lt1"/>
+              </a:buClr>
+              <a:buSzPts val="1000"/>
+              <a:buFont typeface="Arial"/>
+              <a:buNone/>
+            </a:pPr>
+            <a:fld id="{00000000-1234-1234-1234-123412341234}" type="slidenum">
+              <a:rPr lang="en-US" sz="1000" b="0" i="0" u="none">
+                <a:solidFill>
+                  <a:schemeClr val="lt1"/>
+                </a:solidFill>
+                <a:latin typeface="Arial"/>
+                <a:ea typeface="Arial"/>
+                <a:cs typeface="Arial"/>
+                <a:sym typeface="Arial"/>
+              </a:rPr>
+              <a:t>7</a:t>
+            </a:fld>
+            <a:endParaRPr/>
+          </a:p>
+        </p:txBody>
+      </p:sp>
+    </p:spTree>
+    <p:extLst>
+      <p:ext uri="{BB962C8B-B14F-4D97-AF65-F5344CB8AC3E}">
+        <p14:creationId xmlns:p14="http://schemas.microsoft.com/office/powerpoint/2010/main" val="1357746961"/>
+      </p:ext>
+    </p:extLst>
+  </p:cSld>
+  <p:clrMapOvr>
+    <a:masterClrMapping/>
+  </p:clrMapOvr>
+</p:sld>
+</file>
+
+<file path=ppt/slides/slide8.xml><?xml version="1.0" encoding="utf-8"?>
 <p:sld xmlns:a="http://schemas.openxmlformats.org/drawingml/2006/main" xmlns:r="http://schemas.openxmlformats.org/officeDocument/2006/relationships" xmlns:p="http://schemas.openxmlformats.org/presentationml/2006/main">
   <p:cSld>
     <p:spTree>
@@ -30434,8 +31821,8 @@
         </p:nvSpPr>
         <p:spPr>
           <a:xfrm>
-            <a:off x="311150" y="1273175"/>
-            <a:ext cx="8623300" cy="4818062"/>
+            <a:off x="794479" y="1798819"/>
+            <a:ext cx="7555042" cy="4292417"/>
           </a:xfrm>
           <a:prstGeom prst="rect">
             <a:avLst/>
@@ -30451,7 +31838,7 @@
           </a:bodyPr>
           <a:lstStyle/>
           <a:p>
-            <a:pPr marL="457200" lvl="0" indent="-457200" algn="l" rtl="0">
+            <a:pPr marL="457200" lvl="0" indent="-457200" algn="just" rtl="0">
               <a:lnSpc>
                 <a:spcPct val="100000"/>
               </a:lnSpc>
@@ -30487,12 +31874,12 @@
                 <a:cs typeface="Times New Roman"/>
                 <a:sym typeface="Times New Roman"/>
               </a:rPr>
-              <a:t>a so we don’t have a dataset right now. Although Vendors can provide Student data but it is not fully finalized yet.</a:t>
+              <a:t>a so we don’t have a dataset right now for storing the data we will be using Mongo DB for testing purposes we will use Fake JSON API. Although Vendors can provide Student data it is not fully finalized yet.</a:t>
             </a:r>
             <a:endParaRPr dirty="0"/>
           </a:p>
           <a:p>
-            <a:pPr marL="457200" lvl="0" indent="-431800" algn="l" rtl="0">
+            <a:pPr marL="457200" lvl="0" indent="-431800" algn="just" rtl="0">
               <a:lnSpc>
                 <a:spcPct val="100000"/>
               </a:lnSpc>
@@ -30520,7 +31907,7 @@
             </a:endParaRPr>
           </a:p>
           <a:p>
-            <a:pPr marL="457200" lvl="0" indent="-228600" algn="l" rtl="0">
+            <a:pPr marL="457200" lvl="0" indent="-228600" algn="just" rtl="0">
               <a:lnSpc>
                 <a:spcPct val="100000"/>
               </a:lnSpc>
@@ -30600,7 +31987,7 @@
                 <a:cs typeface="Arial"/>
                 <a:sym typeface="Arial"/>
               </a:rPr>
-              <a:t>6</a:t>
+              <a:t>8</a:t>
             </a:fld>
             <a:endParaRPr/>
           </a:p>
@@ -30614,7 +32001,7 @@
 </p:sld>
 </file>
 
-<file path=ppt/slides/slide7.xml><?xml version="1.0" encoding="utf-8"?>
+<file path=ppt/slides/slide9.xml><?xml version="1.0" encoding="utf-8"?>
 <p:sld xmlns:a="http://schemas.openxmlformats.org/drawingml/2006/main" xmlns:r="http://schemas.openxmlformats.org/officeDocument/2006/relationships" xmlns:p="http://schemas.openxmlformats.org/presentationml/2006/main">
   <p:cSld>
     <p:spTree>
@@ -30729,8 +32116,20 @@
                 <a:cs typeface="Times New Roman"/>
                 <a:sym typeface="Times New Roman"/>
               </a:rPr>
-              <a:t>As a Software Intern </a:t>
+              <a:t>As a Software Intern.</a:t>
             </a:r>
+          </a:p>
+          <a:p>
+            <a:pPr marL="685800" indent="-457200" algn="just"/>
+            <a:endParaRPr lang="en-IN" sz="2400" b="0" i="0" u="none" dirty="0">
+              <a:solidFill>
+                <a:srgbClr val="000000"/>
+              </a:solidFill>
+              <a:latin typeface="Times New Roman"/>
+              <a:ea typeface="Times New Roman"/>
+              <a:cs typeface="Times New Roman"/>
+              <a:sym typeface="Times New Roman"/>
+            </a:endParaRPr>
           </a:p>
           <a:p>
             <a:pPr marL="685800" indent="-457200" algn="just"/>
@@ -30743,6 +32142,15 @@
               </a:rPr>
               <a:t>Generating Reports and enhancing User Experience.</a:t>
             </a:r>
+          </a:p>
+          <a:p>
+            <a:pPr marL="685800" indent="-457200" algn="just"/>
+            <a:endParaRPr lang="en-IN" sz="2400" dirty="0">
+              <a:latin typeface="Times New Roman"/>
+              <a:ea typeface="Times New Roman"/>
+              <a:cs typeface="Times New Roman"/>
+              <a:sym typeface="Times New Roman"/>
+            </a:endParaRPr>
           </a:p>
           <a:p>
             <a:pPr marL="685800" indent="-457200" algn="just"/>
@@ -30767,6 +32175,15 @@
               </a:rPr>
               <a:t>Data.</a:t>
             </a:r>
+          </a:p>
+          <a:p>
+            <a:pPr marL="685800" indent="-457200" algn="just"/>
+            <a:endParaRPr lang="en-IN" sz="2400" dirty="0">
+              <a:latin typeface="Times New Roman"/>
+              <a:ea typeface="Times New Roman"/>
+              <a:cs typeface="Times New Roman"/>
+              <a:sym typeface="Times New Roman"/>
+            </a:endParaRPr>
           </a:p>
           <a:p>
             <a:pPr marL="685800" indent="-457200" algn="just"/>
@@ -30851,636 +32268,12 @@
                 <a:cs typeface="Arial"/>
                 <a:sym typeface="Arial"/>
               </a:rPr>
-              <a:t>7</a:t>
-            </a:fld>
-            <a:endParaRPr/>
-          </a:p>
-        </p:txBody>
-      </p:sp>
-    </p:spTree>
-  </p:cSld>
-  <p:clrMapOvr>
-    <a:masterClrMapping/>
-  </p:clrMapOvr>
-</p:sld>
-</file>
-
-<file path=ppt/slides/slide8.xml><?xml version="1.0" encoding="utf-8"?>
-<p:sld xmlns:a="http://schemas.openxmlformats.org/drawingml/2006/main" xmlns:r="http://schemas.openxmlformats.org/officeDocument/2006/relationships" xmlns:p="http://schemas.openxmlformats.org/presentationml/2006/main">
-  <p:cSld>
-    <p:spTree>
-      <p:nvGrpSpPr>
-        <p:cNvPr id="1" name="Shape 193"/>
-        <p:cNvGrpSpPr/>
-        <p:nvPr/>
-      </p:nvGrpSpPr>
-      <p:grpSpPr>
-        <a:xfrm>
-          <a:off x="0" y="0"/>
-          <a:ext cx="0" cy="0"/>
-          <a:chOff x="0" y="0"/>
-          <a:chExt cx="0" cy="0"/>
-        </a:xfrm>
-      </p:grpSpPr>
-      <p:sp>
-        <p:nvSpPr>
-          <p:cNvPr id="194" name="Google Shape;194;p29"/>
-          <p:cNvSpPr txBox="1">
-            <a:spLocks noGrp="1"/>
-          </p:cNvSpPr>
-          <p:nvPr>
-            <p:ph type="title"/>
-          </p:nvPr>
-        </p:nvSpPr>
-        <p:spPr>
-          <a:xfrm>
-            <a:off x="311150" y="593725"/>
-            <a:ext cx="8521700" cy="763587"/>
-          </a:xfrm>
-          <a:prstGeom prst="rect">
-            <a:avLst/>
-          </a:prstGeom>
-          <a:noFill/>
-          <a:ln>
-            <a:noFill/>
-          </a:ln>
-        </p:spPr>
-        <p:txBody>
-          <a:bodyPr spcFirstLastPara="1" wrap="square" lIns="91425" tIns="91425" rIns="91425" bIns="91425" anchor="t" anchorCtr="0">
-            <a:noAutofit/>
-          </a:bodyPr>
-          <a:lstStyle/>
-          <a:p>
-            <a:pPr marL="0" lvl="0" indent="0" algn="ctr" rtl="0">
-              <a:lnSpc>
-                <a:spcPct val="100000"/>
-              </a:lnSpc>
-              <a:spcBef>
-                <a:spcPts val="0"/>
-              </a:spcBef>
-              <a:spcAft>
-                <a:spcPts val="0"/>
-              </a:spcAft>
-              <a:buSzPts val="2800"/>
-              <a:buNone/>
-            </a:pPr>
-            <a:r>
-              <a:rPr lang="en-US" sz="3200" b="1" i="0" u="none">
-                <a:solidFill>
-                  <a:srgbClr val="000000"/>
-                </a:solidFill>
-                <a:latin typeface="Times New Roman"/>
-                <a:ea typeface="Times New Roman"/>
-                <a:cs typeface="Times New Roman"/>
-                <a:sym typeface="Times New Roman"/>
-              </a:rPr>
-              <a:t>Tasks Completed</a:t>
-            </a:r>
-            <a:endParaRPr/>
-          </a:p>
-        </p:txBody>
-      </p:sp>
-      <p:sp>
-        <p:nvSpPr>
-          <p:cNvPr id="195" name="Google Shape;195;p29"/>
-          <p:cNvSpPr txBox="1">
-            <a:spLocks noGrp="1"/>
-          </p:cNvSpPr>
-          <p:nvPr>
-            <p:ph type="body" idx="1"/>
-          </p:nvPr>
-        </p:nvSpPr>
-        <p:spPr>
-          <a:xfrm>
-            <a:off x="567804" y="1455450"/>
-            <a:ext cx="8008391" cy="4138274"/>
-          </a:xfrm>
-          <a:prstGeom prst="rect">
-            <a:avLst/>
-          </a:prstGeom>
-          <a:noFill/>
-          <a:ln>
-            <a:noFill/>
-          </a:ln>
-        </p:spPr>
-        <p:txBody>
-          <a:bodyPr spcFirstLastPara="1" wrap="square" lIns="91425" tIns="91425" rIns="91425" bIns="91425" anchor="t" anchorCtr="0">
-            <a:noAutofit/>
-          </a:bodyPr>
-          <a:lstStyle/>
-          <a:p>
-            <a:pPr marL="0" lvl="0" indent="0" algn="just" rtl="0">
-              <a:lnSpc>
-                <a:spcPct val="100000"/>
-              </a:lnSpc>
-              <a:spcBef>
-                <a:spcPts val="1200"/>
-              </a:spcBef>
-              <a:spcAft>
-                <a:spcPts val="0"/>
-              </a:spcAft>
-              <a:buClr>
-                <a:srgbClr val="000000"/>
-              </a:buClr>
-              <a:buSzPts val="400"/>
-              <a:buNone/>
-            </a:pPr>
-            <a:r>
-              <a:rPr lang="en-IN" sz="2400" b="0" i="0" u="none" dirty="0">
-                <a:solidFill>
-                  <a:srgbClr val="000000"/>
-                </a:solidFill>
-                <a:latin typeface="Times New Roman" panose="02020603050405020304" pitchFamily="18" charset="0"/>
-                <a:ea typeface="Times New Roman"/>
-                <a:cs typeface="Times New Roman" panose="02020603050405020304" pitchFamily="18" charset="0"/>
-                <a:sym typeface="Times New Roman"/>
-              </a:rPr>
-              <a:t>Week 1 – Revisiting About the topics on JavaScript, and Learnt about various APIs</a:t>
-            </a:r>
-          </a:p>
-          <a:p>
-            <a:pPr marL="0" lvl="0" indent="0" algn="just" rtl="0">
-              <a:lnSpc>
-                <a:spcPct val="100000"/>
-              </a:lnSpc>
-              <a:spcBef>
-                <a:spcPts val="1200"/>
-              </a:spcBef>
-              <a:spcAft>
-                <a:spcPts val="0"/>
-              </a:spcAft>
-              <a:buClr>
-                <a:srgbClr val="000000"/>
-              </a:buClr>
-              <a:buSzPts val="400"/>
-              <a:buNone/>
-            </a:pPr>
-            <a:r>
-              <a:rPr lang="en-IN" sz="2400" dirty="0">
-                <a:latin typeface="Times New Roman" panose="02020603050405020304" pitchFamily="18" charset="0"/>
-                <a:cs typeface="Times New Roman" panose="02020603050405020304" pitchFamily="18" charset="0"/>
-                <a:sym typeface="Times New Roman"/>
-              </a:rPr>
-              <a:t>Week 2 – Learnt about Vue JS, </a:t>
-            </a:r>
-            <a:r>
-              <a:rPr lang="en-IN" sz="2400" dirty="0" err="1">
-                <a:latin typeface="Times New Roman" panose="02020603050405020304" pitchFamily="18" charset="0"/>
-                <a:cs typeface="Times New Roman" panose="02020603050405020304" pitchFamily="18" charset="0"/>
-                <a:sym typeface="Times New Roman"/>
-              </a:rPr>
-              <a:t>Axios</a:t>
-            </a:r>
-            <a:r>
-              <a:rPr lang="en-IN" sz="2400" dirty="0">
-                <a:latin typeface="Times New Roman" panose="02020603050405020304" pitchFamily="18" charset="0"/>
-                <a:cs typeface="Times New Roman" panose="02020603050405020304" pitchFamily="18" charset="0"/>
-                <a:sym typeface="Times New Roman"/>
-              </a:rPr>
-              <a:t>.</a:t>
-            </a:r>
-          </a:p>
-          <a:p>
-            <a:pPr marL="0" lvl="0" indent="0" algn="just" rtl="0">
-              <a:lnSpc>
-                <a:spcPct val="100000"/>
-              </a:lnSpc>
-              <a:spcBef>
-                <a:spcPts val="1200"/>
-              </a:spcBef>
-              <a:spcAft>
-                <a:spcPts val="0"/>
-              </a:spcAft>
-              <a:buClr>
-                <a:srgbClr val="000000"/>
-              </a:buClr>
-              <a:buSzPts val="400"/>
-              <a:buNone/>
-            </a:pPr>
-            <a:r>
-              <a:rPr lang="en-IN" sz="2400" dirty="0">
-                <a:latin typeface="Times New Roman" panose="02020603050405020304" pitchFamily="18" charset="0"/>
-                <a:cs typeface="Times New Roman" panose="02020603050405020304" pitchFamily="18" charset="0"/>
-                <a:sym typeface="Times New Roman"/>
-              </a:rPr>
-              <a:t>Week 3 - VUE X, Started learning about D3.JS</a:t>
-            </a:r>
-          </a:p>
-          <a:p>
-            <a:pPr marL="0" lvl="0" indent="0" algn="just" rtl="0">
-              <a:lnSpc>
-                <a:spcPct val="100000"/>
-              </a:lnSpc>
-              <a:spcBef>
-                <a:spcPts val="1200"/>
-              </a:spcBef>
-              <a:spcAft>
-                <a:spcPts val="0"/>
-              </a:spcAft>
-              <a:buClr>
-                <a:srgbClr val="000000"/>
-              </a:buClr>
-              <a:buSzPts val="400"/>
-              <a:buNone/>
-            </a:pPr>
-            <a:r>
-              <a:rPr lang="en-IN" sz="2400" dirty="0">
-                <a:latin typeface="Times New Roman" panose="02020603050405020304" pitchFamily="18" charset="0"/>
-                <a:cs typeface="Times New Roman" panose="02020603050405020304" pitchFamily="18" charset="0"/>
-                <a:sym typeface="Times New Roman"/>
-              </a:rPr>
-              <a:t>Week 4 – Understood the Project flow and continuing D3.js</a:t>
-            </a:r>
-          </a:p>
-          <a:p>
-            <a:pPr marL="457200" lvl="0" indent="-457200" algn="just" rtl="0">
-              <a:lnSpc>
-                <a:spcPct val="100000"/>
-              </a:lnSpc>
-              <a:spcBef>
-                <a:spcPts val="1200"/>
-              </a:spcBef>
-              <a:spcAft>
-                <a:spcPts val="0"/>
-              </a:spcAft>
-              <a:buClr>
-                <a:srgbClr val="000000"/>
-              </a:buClr>
-              <a:buSzPts val="400"/>
-              <a:buFont typeface="Times New Roman"/>
-              <a:buChar char="●"/>
-            </a:pPr>
-            <a:endParaRPr sz="2400" dirty="0">
-              <a:latin typeface="Times New Roman" panose="02020603050405020304" pitchFamily="18" charset="0"/>
-              <a:cs typeface="Times New Roman" panose="02020603050405020304" pitchFamily="18" charset="0"/>
-            </a:endParaRPr>
-          </a:p>
-          <a:p>
-            <a:pPr marL="457200" lvl="0" indent="-228600" algn="just" rtl="0">
-              <a:lnSpc>
-                <a:spcPct val="100000"/>
-              </a:lnSpc>
-              <a:spcBef>
-                <a:spcPts val="0"/>
-              </a:spcBef>
-              <a:spcAft>
-                <a:spcPts val="0"/>
-              </a:spcAft>
-              <a:buClr>
-                <a:srgbClr val="000000"/>
-              </a:buClr>
-              <a:buSzPts val="2200"/>
-              <a:buNone/>
-            </a:pPr>
-            <a:endParaRPr sz="2400" b="0" i="0" u="none" dirty="0">
-              <a:solidFill>
-                <a:srgbClr val="000000"/>
-              </a:solidFill>
-              <a:latin typeface="Times New Roman" panose="02020603050405020304" pitchFamily="18" charset="0"/>
-              <a:ea typeface="Times New Roman"/>
-              <a:cs typeface="Times New Roman" panose="02020603050405020304" pitchFamily="18" charset="0"/>
-              <a:sym typeface="Times New Roman"/>
-            </a:endParaRPr>
-          </a:p>
-        </p:txBody>
-      </p:sp>
-      <p:sp>
-        <p:nvSpPr>
-          <p:cNvPr id="196" name="Google Shape;196;p29"/>
-          <p:cNvSpPr txBox="1"/>
-          <p:nvPr/>
-        </p:nvSpPr>
-        <p:spPr>
-          <a:xfrm>
-            <a:off x="8472487" y="6218237"/>
-            <a:ext cx="549275" cy="523875"/>
-          </a:xfrm>
-          <a:prstGeom prst="rect">
-            <a:avLst/>
-          </a:prstGeom>
-          <a:noFill/>
-          <a:ln>
-            <a:noFill/>
-          </a:ln>
-        </p:spPr>
-        <p:txBody>
-          <a:bodyPr spcFirstLastPara="1" wrap="square" lIns="91425" tIns="91425" rIns="91425" bIns="91425" anchor="ctr" anchorCtr="0">
-            <a:noAutofit/>
-          </a:bodyPr>
-          <a:lstStyle/>
-          <a:p>
-            <a:pPr marL="0" marR="0" lvl="0" indent="0" algn="r" rtl="0">
-              <a:lnSpc>
-                <a:spcPct val="100000"/>
-              </a:lnSpc>
-              <a:spcBef>
-                <a:spcPts val="0"/>
-              </a:spcBef>
-              <a:spcAft>
-                <a:spcPts val="0"/>
-              </a:spcAft>
-              <a:buClr>
-                <a:schemeClr val="lt1"/>
-              </a:buClr>
-              <a:buSzPts val="1000"/>
-              <a:buFont typeface="Arial"/>
-              <a:buNone/>
-            </a:pPr>
-            <a:fld id="{00000000-1234-1234-1234-123412341234}" type="slidenum">
-              <a:rPr lang="en-US" sz="1000" b="0" i="0" u="none">
-                <a:solidFill>
-                  <a:schemeClr val="lt1"/>
-                </a:solidFill>
-                <a:latin typeface="Arial"/>
-                <a:ea typeface="Arial"/>
-                <a:cs typeface="Arial"/>
-                <a:sym typeface="Arial"/>
-              </a:rPr>
-              <a:t>8</a:t>
-            </a:fld>
-            <a:endParaRPr/>
-          </a:p>
-        </p:txBody>
-      </p:sp>
-    </p:spTree>
-  </p:cSld>
-  <p:clrMapOvr>
-    <a:masterClrMapping/>
-  </p:clrMapOvr>
-</p:sld>
-</file>
-
-<file path=ppt/slides/slide9.xml><?xml version="1.0" encoding="utf-8"?>
-<p:sld xmlns:a="http://schemas.openxmlformats.org/drawingml/2006/main" xmlns:r="http://schemas.openxmlformats.org/officeDocument/2006/relationships" xmlns:p="http://schemas.openxmlformats.org/presentationml/2006/main">
-  <p:cSld>
-    <p:spTree>
-      <p:nvGrpSpPr>
-        <p:cNvPr id="1" name="Shape 200"/>
-        <p:cNvGrpSpPr/>
-        <p:nvPr/>
-      </p:nvGrpSpPr>
-      <p:grpSpPr>
-        <a:xfrm>
-          <a:off x="0" y="0"/>
-          <a:ext cx="0" cy="0"/>
-          <a:chOff x="0" y="0"/>
-          <a:chExt cx="0" cy="0"/>
-        </a:xfrm>
-      </p:grpSpPr>
-      <p:sp>
-        <p:nvSpPr>
-          <p:cNvPr id="201" name="Google Shape;201;p30"/>
-          <p:cNvSpPr txBox="1">
-            <a:spLocks noGrp="1"/>
-          </p:cNvSpPr>
-          <p:nvPr>
-            <p:ph type="title"/>
-          </p:nvPr>
-        </p:nvSpPr>
-        <p:spPr>
-          <a:xfrm>
-            <a:off x="311150" y="593725"/>
-            <a:ext cx="8521700" cy="763587"/>
-          </a:xfrm>
-          <a:prstGeom prst="rect">
-            <a:avLst/>
-          </a:prstGeom>
-          <a:noFill/>
-          <a:ln>
-            <a:noFill/>
-          </a:ln>
-        </p:spPr>
-        <p:txBody>
-          <a:bodyPr spcFirstLastPara="1" wrap="square" lIns="91425" tIns="91425" rIns="91425" bIns="91425" anchor="t" anchorCtr="0">
-            <a:noAutofit/>
-          </a:bodyPr>
-          <a:lstStyle/>
-          <a:p>
-            <a:pPr marL="0" lvl="0" indent="0" algn="ctr" rtl="0">
-              <a:lnSpc>
-                <a:spcPct val="100000"/>
-              </a:lnSpc>
-              <a:spcBef>
-                <a:spcPts val="0"/>
-              </a:spcBef>
-              <a:spcAft>
-                <a:spcPts val="0"/>
-              </a:spcAft>
-              <a:buSzPts val="2800"/>
-              <a:buNone/>
-            </a:pPr>
-            <a:r>
-              <a:rPr lang="en-US" sz="3200" b="1" i="0" u="none">
-                <a:solidFill>
-                  <a:srgbClr val="000000"/>
-                </a:solidFill>
-                <a:latin typeface="Times New Roman"/>
-                <a:ea typeface="Times New Roman"/>
-                <a:cs typeface="Times New Roman"/>
-                <a:sym typeface="Times New Roman"/>
-              </a:rPr>
-              <a:t>Tasks On-Going / Planned</a:t>
-            </a:r>
-            <a:endParaRPr/>
-          </a:p>
-        </p:txBody>
-      </p:sp>
-      <p:sp>
-        <p:nvSpPr>
-          <p:cNvPr id="202" name="Google Shape;202;p30"/>
-          <p:cNvSpPr txBox="1">
-            <a:spLocks noGrp="1"/>
-          </p:cNvSpPr>
-          <p:nvPr>
-            <p:ph type="body" idx="1"/>
-          </p:nvPr>
-        </p:nvSpPr>
-        <p:spPr>
-          <a:xfrm>
-            <a:off x="311150" y="1273175"/>
-            <a:ext cx="8623300" cy="4818062"/>
-          </a:xfrm>
-          <a:prstGeom prst="rect">
-            <a:avLst/>
-          </a:prstGeom>
-          <a:noFill/>
-          <a:ln>
-            <a:noFill/>
-          </a:ln>
-        </p:spPr>
-        <p:txBody>
-          <a:bodyPr spcFirstLastPara="1" wrap="square" lIns="91425" tIns="91425" rIns="91425" bIns="91425" anchor="t" anchorCtr="0">
-            <a:noAutofit/>
-          </a:bodyPr>
-          <a:lstStyle/>
-          <a:p>
-            <a:pPr marL="685800" indent="-457200"/>
-            <a:r>
-              <a:rPr lang="en-IN" sz="2400" b="0" i="0" u="none" dirty="0">
-                <a:solidFill>
-                  <a:srgbClr val="000000"/>
-                </a:solidFill>
-                <a:latin typeface="Times New Roman"/>
-                <a:ea typeface="Times New Roman"/>
-                <a:cs typeface="Times New Roman"/>
-                <a:sym typeface="Times New Roman"/>
-              </a:rPr>
-              <a:t>D3.Js </a:t>
-            </a:r>
-          </a:p>
-          <a:p>
-            <a:pPr marL="685800" indent="-457200"/>
-            <a:r>
-              <a:rPr lang="en-IN" sz="2400" b="0" i="0" u="none" dirty="0">
-                <a:solidFill>
-                  <a:srgbClr val="000000"/>
-                </a:solidFill>
-                <a:latin typeface="Times New Roman"/>
-                <a:ea typeface="Times New Roman"/>
-                <a:cs typeface="Times New Roman"/>
-                <a:sym typeface="Times New Roman"/>
-              </a:rPr>
-              <a:t>Learn Vue Box</a:t>
-            </a:r>
-          </a:p>
-          <a:p>
-            <a:pPr marL="685800" indent="-457200"/>
-            <a:r>
-              <a:rPr lang="en-IN" sz="2400" b="0" i="0" u="none" dirty="0">
-                <a:solidFill>
-                  <a:srgbClr val="000000"/>
-                </a:solidFill>
-                <a:latin typeface="Times New Roman"/>
-                <a:ea typeface="Times New Roman"/>
-                <a:cs typeface="Times New Roman"/>
-                <a:sym typeface="Times New Roman"/>
-              </a:rPr>
-              <a:t>Understanding about SVG</a:t>
-            </a:r>
-            <a:r>
-              <a:rPr lang="en-IN" sz="2400" dirty="0">
-                <a:latin typeface="Times New Roman"/>
-                <a:ea typeface="Times New Roman"/>
-                <a:cs typeface="Times New Roman"/>
-                <a:sym typeface="Times New Roman"/>
-              </a:rPr>
-              <a:t> </a:t>
-            </a:r>
-          </a:p>
-          <a:p>
-            <a:pPr marL="685800" indent="-457200"/>
-            <a:r>
-              <a:rPr lang="en-IN" sz="2400" b="0" i="0" u="none" dirty="0">
-                <a:solidFill>
-                  <a:srgbClr val="000000"/>
-                </a:solidFill>
-                <a:latin typeface="Times New Roman"/>
-                <a:ea typeface="Times New Roman"/>
-                <a:cs typeface="Times New Roman"/>
-                <a:sym typeface="Times New Roman"/>
-              </a:rPr>
-              <a:t>Start Coding </a:t>
-            </a:r>
-            <a:endParaRPr sz="2400" b="0" i="0" u="none" dirty="0">
-              <a:solidFill>
-                <a:srgbClr val="000000"/>
-              </a:solidFill>
-              <a:latin typeface="Times New Roman"/>
-              <a:ea typeface="Times New Roman"/>
-              <a:cs typeface="Times New Roman"/>
-              <a:sym typeface="Times New Roman"/>
-            </a:endParaRPr>
-          </a:p>
-        </p:txBody>
-      </p:sp>
-      <p:sp>
-        <p:nvSpPr>
-          <p:cNvPr id="203" name="Google Shape;203;p30"/>
-          <p:cNvSpPr txBox="1"/>
-          <p:nvPr/>
-        </p:nvSpPr>
-        <p:spPr>
-          <a:xfrm>
-            <a:off x="8472487" y="6218237"/>
-            <a:ext cx="549275" cy="523875"/>
-          </a:xfrm>
-          <a:prstGeom prst="rect">
-            <a:avLst/>
-          </a:prstGeom>
-          <a:noFill/>
-          <a:ln>
-            <a:noFill/>
-          </a:ln>
-        </p:spPr>
-        <p:txBody>
-          <a:bodyPr spcFirstLastPara="1" wrap="square" lIns="91425" tIns="91425" rIns="91425" bIns="91425" anchor="ctr" anchorCtr="0">
-            <a:noAutofit/>
-          </a:bodyPr>
-          <a:lstStyle/>
-          <a:p>
-            <a:pPr marL="0" marR="0" lvl="0" indent="0" algn="r" rtl="0">
-              <a:lnSpc>
-                <a:spcPct val="100000"/>
-              </a:lnSpc>
-              <a:spcBef>
-                <a:spcPts val="0"/>
-              </a:spcBef>
-              <a:spcAft>
-                <a:spcPts val="0"/>
-              </a:spcAft>
-              <a:buClr>
-                <a:schemeClr val="lt1"/>
-              </a:buClr>
-              <a:buSzPts val="1000"/>
-              <a:buFont typeface="Arial"/>
-              <a:buNone/>
-            </a:pPr>
-            <a:fld id="{00000000-1234-1234-1234-123412341234}" type="slidenum">
-              <a:rPr lang="en-US" sz="1000" b="0" i="0" u="none">
-                <a:solidFill>
-                  <a:schemeClr val="lt1"/>
-                </a:solidFill>
-                <a:latin typeface="Arial"/>
-                <a:ea typeface="Arial"/>
-                <a:cs typeface="Arial"/>
-                <a:sym typeface="Arial"/>
-              </a:rPr>
               <a:t>9</a:t>
             </a:fld>
             <a:endParaRPr/>
           </a:p>
         </p:txBody>
       </p:sp>
-      <p:pic>
-        <p:nvPicPr>
-          <p:cNvPr id="3" name="Picture 2">
-            <a:extLst>
-              <a:ext uri="{FF2B5EF4-FFF2-40B4-BE49-F238E27FC236}">
-                <a16:creationId xmlns:a16="http://schemas.microsoft.com/office/drawing/2014/main" id="{012DE477-D07A-90DB-3B29-443A9B7C509C}"/>
-              </a:ext>
-            </a:extLst>
-          </p:cNvPr>
-          <p:cNvPicPr>
-            <a:picLocks noChangeAspect="1"/>
-          </p:cNvPicPr>
-          <p:nvPr/>
-        </p:nvPicPr>
-        <p:blipFill>
-          <a:blip r:embed="rId3"/>
-          <a:stretch>
-            <a:fillRect/>
-          </a:stretch>
-        </p:blipFill>
-        <p:spPr>
-          <a:xfrm>
-            <a:off x="2246859" y="3058042"/>
-            <a:ext cx="4751881" cy="2671629"/>
-          </a:xfrm>
-          <a:prstGeom prst="rect">
-            <a:avLst/>
-          </a:prstGeom>
-        </p:spPr>
-      </p:pic>
     </p:spTree>
   </p:cSld>
   <p:clrMapOvr>
